--- a/Transformers/blog_resources/graphics/CNN.pptx
+++ b/Transformers/blog_resources/graphics/CNN.pptx
@@ -2,12 +2,13 @@
 <file path=ppt/presentation.xml><?xml version="1.0" encoding="utf-8"?>
 <p:presentation xmlns:a="http://schemas.openxmlformats.org/drawingml/2006/main" xmlns:r="http://schemas.openxmlformats.org/officeDocument/2006/relationships" xmlns:p="http://schemas.openxmlformats.org/presentationml/2006/main" saveSubsetFonts="1">
   <p:sldMasterIdLst>
-    <p:sldMasterId id="2147483708" r:id="rId1"/>
+    <p:sldMasterId id="2147483720" r:id="rId1"/>
   </p:sldMasterIdLst>
   <p:sldIdLst>
     <p:sldId id="277" r:id="rId2"/>
+    <p:sldId id="278" r:id="rId3"/>
   </p:sldIdLst>
-  <p:sldSz cx="16979900" cy="12734925"/>
+  <p:sldSz cx="22639338" cy="12734925"/>
   <p:notesSz cx="6858000" cy="9144000"/>
   <p:defaultTextStyle>
     <a:defPPr>
@@ -112,7 +113,7 @@
             <a:srgbClr val="A4A3A4"/>
           </p15:clr>
         </p15:guide>
-        <p15:guide id="2" pos="5402" userDrawn="1">
+        <p15:guide id="2" pos="7202" userDrawn="1">
           <p15:clr>
             <a:srgbClr val="A4A3A4"/>
           </p15:clr>
@@ -152,8 +153,8 @@
         </p:nvSpPr>
         <p:spPr>
           <a:xfrm>
-            <a:off x="1273493" y="2084166"/>
-            <a:ext cx="14432915" cy="4433641"/>
+            <a:off x="2829918" y="2084168"/>
+            <a:ext cx="16979504" cy="4433641"/>
           </a:xfrm>
         </p:spPr>
         <p:txBody>
@@ -184,8 +185,8 @@
         </p:nvSpPr>
         <p:spPr>
           <a:xfrm>
-            <a:off x="2122488" y="6688784"/>
-            <a:ext cx="12734925" cy="3074658"/>
+            <a:off x="2829918" y="6688784"/>
+            <a:ext cx="16979504" cy="3074658"/>
           </a:xfrm>
         </p:spPr>
         <p:txBody>
@@ -254,7 +255,7 @@
           <a:p>
             <a:fld id="{FB92FDD8-7731-4E46-9433-FCBAA3DC8EDF}" type="datetimeFigureOut">
               <a:rPr lang="en-GB" smtClean="0"/>
-              <a:t>20/08/2021</a:t>
+              <a:t>26/08/2021</a:t>
             </a:fld>
             <a:endParaRPr lang="en-GB"/>
           </a:p>
@@ -305,7 +306,7 @@
     </p:spTree>
     <p:extLst>
       <p:ext uri="{BB962C8B-B14F-4D97-AF65-F5344CB8AC3E}">
-        <p14:creationId xmlns:p14="http://schemas.microsoft.com/office/powerpoint/2010/main" val="3568510309"/>
+        <p14:creationId xmlns:p14="http://schemas.microsoft.com/office/powerpoint/2010/main" val="938345912"/>
       </p:ext>
     </p:extLst>
   </p:cSld>
@@ -424,7 +425,7 @@
           <a:p>
             <a:fld id="{FB92FDD8-7731-4E46-9433-FCBAA3DC8EDF}" type="datetimeFigureOut">
               <a:rPr lang="en-GB" smtClean="0"/>
-              <a:t>20/08/2021</a:t>
+              <a:t>26/08/2021</a:t>
             </a:fld>
             <a:endParaRPr lang="en-GB"/>
           </a:p>
@@ -475,7 +476,7 @@
     </p:spTree>
     <p:extLst>
       <p:ext uri="{BB962C8B-B14F-4D97-AF65-F5344CB8AC3E}">
-        <p14:creationId xmlns:p14="http://schemas.microsoft.com/office/powerpoint/2010/main" val="1437581043"/>
+        <p14:creationId xmlns:p14="http://schemas.microsoft.com/office/powerpoint/2010/main" val="1715598646"/>
       </p:ext>
     </p:extLst>
   </p:cSld>
@@ -514,8 +515,8 @@
         </p:nvSpPr>
         <p:spPr>
           <a:xfrm>
-            <a:off x="12151242" y="678017"/>
-            <a:ext cx="3661291" cy="10792260"/>
+            <a:off x="16201277" y="678017"/>
+            <a:ext cx="4881607" cy="10792260"/>
           </a:xfrm>
         </p:spPr>
         <p:txBody>
@@ -542,8 +543,8 @@
         </p:nvSpPr>
         <p:spPr>
           <a:xfrm>
-            <a:off x="1167369" y="678017"/>
-            <a:ext cx="10771624" cy="10792260"/>
+            <a:off x="1556456" y="678017"/>
+            <a:ext cx="14361830" cy="10792260"/>
           </a:xfrm>
         </p:spPr>
         <p:txBody>
@@ -604,7 +605,7 @@
           <a:p>
             <a:fld id="{FB92FDD8-7731-4E46-9433-FCBAA3DC8EDF}" type="datetimeFigureOut">
               <a:rPr lang="en-GB" smtClean="0"/>
-              <a:t>20/08/2021</a:t>
+              <a:t>26/08/2021</a:t>
             </a:fld>
             <a:endParaRPr lang="en-GB"/>
           </a:p>
@@ -655,7 +656,7 @@
     </p:spTree>
     <p:extLst>
       <p:ext uri="{BB962C8B-B14F-4D97-AF65-F5344CB8AC3E}">
-        <p14:creationId xmlns:p14="http://schemas.microsoft.com/office/powerpoint/2010/main" val="3432580860"/>
+        <p14:creationId xmlns:p14="http://schemas.microsoft.com/office/powerpoint/2010/main" val="3983156511"/>
       </p:ext>
     </p:extLst>
   </p:cSld>
@@ -774,7 +775,7 @@
           <a:p>
             <a:fld id="{FB92FDD8-7731-4E46-9433-FCBAA3DC8EDF}" type="datetimeFigureOut">
               <a:rPr lang="en-GB" smtClean="0"/>
-              <a:t>20/08/2021</a:t>
+              <a:t>26/08/2021</a:t>
             </a:fld>
             <a:endParaRPr lang="en-GB"/>
           </a:p>
@@ -825,7 +826,7 @@
     </p:spTree>
     <p:extLst>
       <p:ext uri="{BB962C8B-B14F-4D97-AF65-F5344CB8AC3E}">
-        <p14:creationId xmlns:p14="http://schemas.microsoft.com/office/powerpoint/2010/main" val="2236528930"/>
+        <p14:creationId xmlns:p14="http://schemas.microsoft.com/office/powerpoint/2010/main" val="3126800993"/>
       </p:ext>
     </p:extLst>
   </p:cSld>
@@ -864,8 +865,8 @@
         </p:nvSpPr>
         <p:spPr>
           <a:xfrm>
-            <a:off x="1158525" y="3174891"/>
-            <a:ext cx="14645164" cy="5297374"/>
+            <a:off x="1544664" y="3174889"/>
+            <a:ext cx="19526429" cy="5297374"/>
           </a:xfrm>
         </p:spPr>
         <p:txBody>
@@ -896,8 +897,8 @@
         </p:nvSpPr>
         <p:spPr>
           <a:xfrm>
-            <a:off x="1158525" y="8522381"/>
-            <a:ext cx="14645164" cy="2785764"/>
+            <a:off x="1544664" y="8522379"/>
+            <a:ext cx="19526429" cy="2785764"/>
           </a:xfrm>
         </p:spPr>
         <p:txBody>
@@ -907,7 +908,9 @@
               <a:buNone/>
               <a:defRPr sz="4457">
                 <a:solidFill>
-                  <a:schemeClr val="tx1"/>
+                  <a:schemeClr val="tx1">
+                    <a:tint val="75000"/>
+                  </a:schemeClr>
                 </a:solidFill>
               </a:defRPr>
             </a:lvl1pPr>
@@ -1018,7 +1021,7 @@
           <a:p>
             <a:fld id="{FB92FDD8-7731-4E46-9433-FCBAA3DC8EDF}" type="datetimeFigureOut">
               <a:rPr lang="en-GB" smtClean="0"/>
-              <a:t>20/08/2021</a:t>
+              <a:t>26/08/2021</a:t>
             </a:fld>
             <a:endParaRPr lang="en-GB"/>
           </a:p>
@@ -1069,7 +1072,7 @@
     </p:spTree>
     <p:extLst>
       <p:ext uri="{BB962C8B-B14F-4D97-AF65-F5344CB8AC3E}">
-        <p14:creationId xmlns:p14="http://schemas.microsoft.com/office/powerpoint/2010/main" val="3571322068"/>
+        <p14:creationId xmlns:p14="http://schemas.microsoft.com/office/powerpoint/2010/main" val="3589818055"/>
       </p:ext>
     </p:extLst>
   </p:cSld>
@@ -1131,8 +1134,8 @@
         </p:nvSpPr>
         <p:spPr>
           <a:xfrm>
-            <a:off x="1167368" y="3390084"/>
-            <a:ext cx="7216458" cy="8080193"/>
+            <a:off x="1556454" y="3390084"/>
+            <a:ext cx="9621719" cy="8080193"/>
           </a:xfrm>
         </p:spPr>
         <p:txBody>
@@ -1188,8 +1191,8 @@
         </p:nvSpPr>
         <p:spPr>
           <a:xfrm>
-            <a:off x="8596074" y="3390084"/>
-            <a:ext cx="7216458" cy="8080193"/>
+            <a:off x="11461166" y="3390084"/>
+            <a:ext cx="9621719" cy="8080193"/>
           </a:xfrm>
         </p:spPr>
         <p:txBody>
@@ -1250,7 +1253,7 @@
           <a:p>
             <a:fld id="{FB92FDD8-7731-4E46-9433-FCBAA3DC8EDF}" type="datetimeFigureOut">
               <a:rPr lang="en-GB" smtClean="0"/>
-              <a:t>20/08/2021</a:t>
+              <a:t>26/08/2021</a:t>
             </a:fld>
             <a:endParaRPr lang="en-GB"/>
           </a:p>
@@ -1301,7 +1304,7 @@
     </p:spTree>
     <p:extLst>
       <p:ext uri="{BB962C8B-B14F-4D97-AF65-F5344CB8AC3E}">
-        <p14:creationId xmlns:p14="http://schemas.microsoft.com/office/powerpoint/2010/main" val="3940923395"/>
+        <p14:creationId xmlns:p14="http://schemas.microsoft.com/office/powerpoint/2010/main" val="3628758016"/>
       </p:ext>
     </p:extLst>
   </p:cSld>
@@ -1340,8 +1343,8 @@
         </p:nvSpPr>
         <p:spPr>
           <a:xfrm>
-            <a:off x="1169580" y="678020"/>
-            <a:ext cx="14645164" cy="2461497"/>
+            <a:off x="1559404" y="678019"/>
+            <a:ext cx="19526429" cy="2461497"/>
           </a:xfrm>
         </p:spPr>
         <p:txBody>
@@ -1368,8 +1371,8 @@
         </p:nvSpPr>
         <p:spPr>
           <a:xfrm>
-            <a:off x="1169582" y="3121826"/>
-            <a:ext cx="7183292" cy="1529959"/>
+            <a:off x="1559404" y="3121828"/>
+            <a:ext cx="9577500" cy="1529959"/>
           </a:xfrm>
         </p:spPr>
         <p:txBody>
@@ -1433,8 +1436,8 @@
         </p:nvSpPr>
         <p:spPr>
           <a:xfrm>
-            <a:off x="1169582" y="4651785"/>
-            <a:ext cx="7183292" cy="6842075"/>
+            <a:off x="1559404" y="4651786"/>
+            <a:ext cx="9577500" cy="6842075"/>
           </a:xfrm>
         </p:spPr>
         <p:txBody>
@@ -1490,8 +1493,8 @@
         </p:nvSpPr>
         <p:spPr>
           <a:xfrm>
-            <a:off x="8596075" y="3121826"/>
-            <a:ext cx="7218669" cy="1529959"/>
+            <a:off x="11461166" y="3121828"/>
+            <a:ext cx="9624667" cy="1529959"/>
           </a:xfrm>
         </p:spPr>
         <p:txBody>
@@ -1555,8 +1558,8 @@
         </p:nvSpPr>
         <p:spPr>
           <a:xfrm>
-            <a:off x="8596075" y="4651785"/>
-            <a:ext cx="7218669" cy="6842075"/>
+            <a:off x="11461166" y="4651786"/>
+            <a:ext cx="9624667" cy="6842075"/>
           </a:xfrm>
         </p:spPr>
         <p:txBody>
@@ -1617,7 +1620,7 @@
           <a:p>
             <a:fld id="{FB92FDD8-7731-4E46-9433-FCBAA3DC8EDF}" type="datetimeFigureOut">
               <a:rPr lang="en-GB" smtClean="0"/>
-              <a:t>20/08/2021</a:t>
+              <a:t>26/08/2021</a:t>
             </a:fld>
             <a:endParaRPr lang="en-GB"/>
           </a:p>
@@ -1668,7 +1671,7 @@
     </p:spTree>
     <p:extLst>
       <p:ext uri="{BB962C8B-B14F-4D97-AF65-F5344CB8AC3E}">
-        <p14:creationId xmlns:p14="http://schemas.microsoft.com/office/powerpoint/2010/main" val="4258626351"/>
+        <p14:creationId xmlns:p14="http://schemas.microsoft.com/office/powerpoint/2010/main" val="2591715420"/>
       </p:ext>
     </p:extLst>
   </p:cSld>
@@ -1735,7 +1738,7 @@
           <a:p>
             <a:fld id="{FB92FDD8-7731-4E46-9433-FCBAA3DC8EDF}" type="datetimeFigureOut">
               <a:rPr lang="en-GB" smtClean="0"/>
-              <a:t>20/08/2021</a:t>
+              <a:t>26/08/2021</a:t>
             </a:fld>
             <a:endParaRPr lang="en-GB"/>
           </a:p>
@@ -1786,7 +1789,7 @@
     </p:spTree>
     <p:extLst>
       <p:ext uri="{BB962C8B-B14F-4D97-AF65-F5344CB8AC3E}">
-        <p14:creationId xmlns:p14="http://schemas.microsoft.com/office/powerpoint/2010/main" val="3260153618"/>
+        <p14:creationId xmlns:p14="http://schemas.microsoft.com/office/powerpoint/2010/main" val="1517627526"/>
       </p:ext>
     </p:extLst>
   </p:cSld>
@@ -1830,7 +1833,7 @@
           <a:p>
             <a:fld id="{FB92FDD8-7731-4E46-9433-FCBAA3DC8EDF}" type="datetimeFigureOut">
               <a:rPr lang="en-GB" smtClean="0"/>
-              <a:t>20/08/2021</a:t>
+              <a:t>26/08/2021</a:t>
             </a:fld>
             <a:endParaRPr lang="en-GB"/>
           </a:p>
@@ -1881,7 +1884,7 @@
     </p:spTree>
     <p:extLst>
       <p:ext uri="{BB962C8B-B14F-4D97-AF65-F5344CB8AC3E}">
-        <p14:creationId xmlns:p14="http://schemas.microsoft.com/office/powerpoint/2010/main" val="2339591714"/>
+        <p14:creationId xmlns:p14="http://schemas.microsoft.com/office/powerpoint/2010/main" val="725302857"/>
       </p:ext>
     </p:extLst>
   </p:cSld>
@@ -1920,8 +1923,8 @@
         </p:nvSpPr>
         <p:spPr>
           <a:xfrm>
-            <a:off x="1169580" y="848995"/>
-            <a:ext cx="5476460" cy="2971483"/>
+            <a:off x="1559405" y="848997"/>
+            <a:ext cx="7301775" cy="2971483"/>
           </a:xfrm>
         </p:spPr>
         <p:txBody>
@@ -1952,8 +1955,8 @@
         </p:nvSpPr>
         <p:spPr>
           <a:xfrm>
-            <a:off x="7218669" y="1833596"/>
-            <a:ext cx="8596074" cy="9050051"/>
+            <a:off x="9624667" y="1833596"/>
+            <a:ext cx="11461164" cy="9050051"/>
           </a:xfrm>
         </p:spPr>
         <p:txBody>
@@ -2037,8 +2040,8 @@
         </p:nvSpPr>
         <p:spPr>
           <a:xfrm>
-            <a:off x="1169580" y="3820478"/>
-            <a:ext cx="5476460" cy="7077907"/>
+            <a:off x="1559405" y="3820480"/>
+            <a:ext cx="7301775" cy="7077907"/>
           </a:xfrm>
         </p:spPr>
         <p:txBody>
@@ -2107,7 +2110,7 @@
           <a:p>
             <a:fld id="{FB92FDD8-7731-4E46-9433-FCBAA3DC8EDF}" type="datetimeFigureOut">
               <a:rPr lang="en-GB" smtClean="0"/>
-              <a:t>20/08/2021</a:t>
+              <a:t>26/08/2021</a:t>
             </a:fld>
             <a:endParaRPr lang="en-GB"/>
           </a:p>
@@ -2158,7 +2161,7 @@
     </p:spTree>
     <p:extLst>
       <p:ext uri="{BB962C8B-B14F-4D97-AF65-F5344CB8AC3E}">
-        <p14:creationId xmlns:p14="http://schemas.microsoft.com/office/powerpoint/2010/main" val="2090010398"/>
+        <p14:creationId xmlns:p14="http://schemas.microsoft.com/office/powerpoint/2010/main" val="3768808771"/>
       </p:ext>
     </p:extLst>
   </p:cSld>
@@ -2197,8 +2200,8 @@
         </p:nvSpPr>
         <p:spPr>
           <a:xfrm>
-            <a:off x="1169580" y="848995"/>
-            <a:ext cx="5476460" cy="2971483"/>
+            <a:off x="1559405" y="848997"/>
+            <a:ext cx="7301775" cy="2971483"/>
           </a:xfrm>
         </p:spPr>
         <p:txBody>
@@ -2229,8 +2232,8 @@
         </p:nvSpPr>
         <p:spPr>
           <a:xfrm>
-            <a:off x="7218669" y="1833596"/>
-            <a:ext cx="8596074" cy="9050051"/>
+            <a:off x="9624667" y="1833596"/>
+            <a:ext cx="11461164" cy="9050051"/>
           </a:xfrm>
         </p:spPr>
         <p:txBody>
@@ -2294,8 +2297,8 @@
         </p:nvSpPr>
         <p:spPr>
           <a:xfrm>
-            <a:off x="1169580" y="3820478"/>
-            <a:ext cx="5476460" cy="7077907"/>
+            <a:off x="1559405" y="3820480"/>
+            <a:ext cx="7301775" cy="7077907"/>
           </a:xfrm>
         </p:spPr>
         <p:txBody>
@@ -2364,7 +2367,7 @@
           <a:p>
             <a:fld id="{FB92FDD8-7731-4E46-9433-FCBAA3DC8EDF}" type="datetimeFigureOut">
               <a:rPr lang="en-GB" smtClean="0"/>
-              <a:t>20/08/2021</a:t>
+              <a:t>26/08/2021</a:t>
             </a:fld>
             <a:endParaRPr lang="en-GB"/>
           </a:p>
@@ -2415,7 +2418,7 @@
     </p:spTree>
     <p:extLst>
       <p:ext uri="{BB962C8B-B14F-4D97-AF65-F5344CB8AC3E}">
-        <p14:creationId xmlns:p14="http://schemas.microsoft.com/office/powerpoint/2010/main" val="4186088797"/>
+        <p14:creationId xmlns:p14="http://schemas.microsoft.com/office/powerpoint/2010/main" val="3493555091"/>
       </p:ext>
     </p:extLst>
   </p:cSld>
@@ -2459,8 +2462,8 @@
         </p:nvSpPr>
         <p:spPr>
           <a:xfrm>
-            <a:off x="1167368" y="678020"/>
-            <a:ext cx="14645164" cy="2461497"/>
+            <a:off x="1556456" y="678019"/>
+            <a:ext cx="19526429" cy="2461497"/>
           </a:xfrm>
           <a:prstGeom prst="rect">
             <a:avLst/>
@@ -2492,8 +2495,8 @@
         </p:nvSpPr>
         <p:spPr>
           <a:xfrm>
-            <a:off x="1167368" y="3390084"/>
-            <a:ext cx="14645164" cy="8080193"/>
+            <a:off x="1556456" y="3390084"/>
+            <a:ext cx="19526429" cy="8080193"/>
           </a:xfrm>
           <a:prstGeom prst="rect">
             <a:avLst/>
@@ -2554,8 +2557,8 @@
         </p:nvSpPr>
         <p:spPr>
           <a:xfrm>
-            <a:off x="1167368" y="11803392"/>
-            <a:ext cx="3820478" cy="678017"/>
+            <a:off x="1556457" y="11803392"/>
+            <a:ext cx="5093850" cy="678017"/>
           </a:xfrm>
           <a:prstGeom prst="rect">
             <a:avLst/>
@@ -2577,7 +2580,7 @@
           <a:p>
             <a:fld id="{FB92FDD8-7731-4E46-9433-FCBAA3DC8EDF}" type="datetimeFigureOut">
               <a:rPr lang="en-GB" smtClean="0"/>
-              <a:t>20/08/2021</a:t>
+              <a:t>26/08/2021</a:t>
             </a:fld>
             <a:endParaRPr lang="en-GB"/>
           </a:p>
@@ -2595,8 +2598,8 @@
         </p:nvSpPr>
         <p:spPr>
           <a:xfrm>
-            <a:off x="5624592" y="11803392"/>
-            <a:ext cx="5730716" cy="678017"/>
+            <a:off x="7499281" y="11803392"/>
+            <a:ext cx="7640778" cy="678017"/>
           </a:xfrm>
           <a:prstGeom prst="rect">
             <a:avLst/>
@@ -2632,8 +2635,8 @@
         </p:nvSpPr>
         <p:spPr>
           <a:xfrm>
-            <a:off x="11992054" y="11803392"/>
-            <a:ext cx="3820478" cy="678017"/>
+            <a:off x="15989034" y="11803392"/>
+            <a:ext cx="5093850" cy="678017"/>
           </a:xfrm>
           <a:prstGeom prst="rect">
             <a:avLst/>
@@ -2664,23 +2667,23 @@
     </p:spTree>
     <p:extLst>
       <p:ext uri="{BB962C8B-B14F-4D97-AF65-F5344CB8AC3E}">
-        <p14:creationId xmlns:p14="http://schemas.microsoft.com/office/powerpoint/2010/main" val="3631122733"/>
+        <p14:creationId xmlns:p14="http://schemas.microsoft.com/office/powerpoint/2010/main" val="2774974214"/>
       </p:ext>
     </p:extLst>
   </p:cSld>
   <p:clrMap bg1="lt1" tx1="dk1" bg2="lt2" tx2="dk2" accent1="accent1" accent2="accent2" accent3="accent3" accent4="accent4" accent5="accent5" accent6="accent6" hlink="hlink" folHlink="folHlink"/>
   <p:sldLayoutIdLst>
-    <p:sldLayoutId id="2147483709" r:id="rId1"/>
-    <p:sldLayoutId id="2147483710" r:id="rId2"/>
-    <p:sldLayoutId id="2147483711" r:id="rId3"/>
-    <p:sldLayoutId id="2147483712" r:id="rId4"/>
-    <p:sldLayoutId id="2147483713" r:id="rId5"/>
-    <p:sldLayoutId id="2147483714" r:id="rId6"/>
-    <p:sldLayoutId id="2147483715" r:id="rId7"/>
-    <p:sldLayoutId id="2147483716" r:id="rId8"/>
-    <p:sldLayoutId id="2147483717" r:id="rId9"/>
-    <p:sldLayoutId id="2147483718" r:id="rId10"/>
-    <p:sldLayoutId id="2147483719" r:id="rId11"/>
+    <p:sldLayoutId id="2147483721" r:id="rId1"/>
+    <p:sldLayoutId id="2147483722" r:id="rId2"/>
+    <p:sldLayoutId id="2147483723" r:id="rId3"/>
+    <p:sldLayoutId id="2147483724" r:id="rId4"/>
+    <p:sldLayoutId id="2147483725" r:id="rId5"/>
+    <p:sldLayoutId id="2147483726" r:id="rId6"/>
+    <p:sldLayoutId id="2147483727" r:id="rId7"/>
+    <p:sldLayoutId id="2147483728" r:id="rId8"/>
+    <p:sldLayoutId id="2147483729" r:id="rId9"/>
+    <p:sldLayoutId id="2147483730" r:id="rId10"/>
+    <p:sldLayoutId id="2147483731" r:id="rId11"/>
   </p:sldLayoutIdLst>
   <p:txStyles>
     <p:titleStyle>
@@ -2996,8 +2999,8 @@
         </p:nvGrpSpPr>
         <p:grpSpPr>
           <a:xfrm>
-            <a:off x="9034864" y="2135782"/>
-            <a:ext cx="4249817" cy="5247036"/>
+            <a:off x="12046205" y="725354"/>
+            <a:ext cx="5666290" cy="6995884"/>
             <a:chOff x="818951" y="1242362"/>
             <a:chExt cx="4249817" cy="5247036"/>
           </a:xfrm>
@@ -3090,7 +3093,7 @@
             <a:lstStyle/>
             <a:p>
               <a:pPr algn="ctr"/>
-              <a:endParaRPr lang="en-GB"/>
+              <a:endParaRPr lang="en-GB" sz="2400"/>
             </a:p>
           </p:txBody>
         </p:sp>
@@ -3146,7 +3149,7 @@
             <a:lstStyle/>
             <a:p>
               <a:pPr algn="ctr"/>
-              <a:endParaRPr lang="en-GB"/>
+              <a:endParaRPr lang="en-GB" sz="2400"/>
             </a:p>
           </p:txBody>
         </p:sp>
@@ -3202,7 +3205,7 @@
             <a:lstStyle/>
             <a:p>
               <a:pPr algn="ctr"/>
-              <a:endParaRPr lang="en-GB"/>
+              <a:endParaRPr lang="en-GB" sz="2400"/>
             </a:p>
           </p:txBody>
         </p:sp>
@@ -3258,7 +3261,7 @@
             <a:lstStyle/>
             <a:p>
               <a:pPr algn="ctr"/>
-              <a:endParaRPr lang="en-GB"/>
+              <a:endParaRPr lang="en-GB" sz="2400"/>
             </a:p>
           </p:txBody>
         </p:sp>
@@ -3314,7 +3317,7 @@
             <a:lstStyle/>
             <a:p>
               <a:pPr algn="ctr"/>
-              <a:endParaRPr lang="en-GB"/>
+              <a:endParaRPr lang="en-GB" sz="2400"/>
             </a:p>
           </p:txBody>
         </p:sp>
@@ -3370,7 +3373,7 @@
             <a:lstStyle/>
             <a:p>
               <a:pPr algn="ctr"/>
-              <a:endParaRPr lang="en-GB"/>
+              <a:endParaRPr lang="en-GB" sz="2400"/>
             </a:p>
           </p:txBody>
         </p:sp>
@@ -3426,7 +3429,7 @@
             <a:lstStyle/>
             <a:p>
               <a:pPr algn="ctr"/>
-              <a:endParaRPr lang="en-GB" dirty="0"/>
+              <a:endParaRPr lang="en-GB" sz="2400" dirty="0"/>
             </a:p>
           </p:txBody>
         </p:sp>
@@ -3482,7 +3485,7 @@
             <a:lstStyle/>
             <a:p>
               <a:pPr algn="ctr"/>
-              <a:endParaRPr lang="en-GB"/>
+              <a:endParaRPr lang="en-GB" sz="2400"/>
             </a:p>
           </p:txBody>
         </p:sp>
@@ -3538,7 +3541,7 @@
             <a:lstStyle/>
             <a:p>
               <a:pPr algn="ctr"/>
-              <a:endParaRPr lang="en-GB"/>
+              <a:endParaRPr lang="en-GB" sz="2400"/>
             </a:p>
           </p:txBody>
         </p:sp>
@@ -3594,7 +3597,7 @@
             <a:lstStyle/>
             <a:p>
               <a:pPr algn="ctr"/>
-              <a:endParaRPr lang="en-GB"/>
+              <a:endParaRPr lang="en-GB" sz="2400"/>
             </a:p>
           </p:txBody>
         </p:sp>
@@ -3650,7 +3653,7 @@
             <a:lstStyle/>
             <a:p>
               <a:pPr algn="ctr"/>
-              <a:endParaRPr lang="en-GB"/>
+              <a:endParaRPr lang="en-GB" sz="2400"/>
             </a:p>
           </p:txBody>
         </p:sp>
@@ -3706,7 +3709,7 @@
             <a:lstStyle/>
             <a:p>
               <a:pPr algn="ctr"/>
-              <a:endParaRPr lang="en-GB"/>
+              <a:endParaRPr lang="en-GB" sz="2400"/>
             </a:p>
           </p:txBody>
         </p:sp>
@@ -3762,7 +3765,7 @@
             <a:lstStyle/>
             <a:p>
               <a:pPr algn="ctr"/>
-              <a:endParaRPr lang="en-GB"/>
+              <a:endParaRPr lang="en-GB" sz="2400"/>
             </a:p>
           </p:txBody>
         </p:sp>
@@ -3818,7 +3821,7 @@
             <a:lstStyle/>
             <a:p>
               <a:pPr algn="ctr"/>
-              <a:endParaRPr lang="en-GB"/>
+              <a:endParaRPr lang="en-GB" sz="2400"/>
             </a:p>
           </p:txBody>
         </p:sp>
@@ -3874,7 +3877,7 @@
             <a:lstStyle/>
             <a:p>
               <a:pPr algn="ctr"/>
-              <a:endParaRPr lang="en-GB"/>
+              <a:endParaRPr lang="en-GB" sz="2400"/>
             </a:p>
           </p:txBody>
         </p:sp>
@@ -3930,7 +3933,7 @@
             <a:lstStyle/>
             <a:p>
               <a:pPr algn="ctr"/>
-              <a:endParaRPr lang="en-GB"/>
+              <a:endParaRPr lang="en-GB" sz="2400"/>
             </a:p>
           </p:txBody>
         </p:sp>
@@ -3986,7 +3989,7 @@
             <a:lstStyle/>
             <a:p>
               <a:pPr algn="ctr"/>
-              <a:endParaRPr lang="en-GB"/>
+              <a:endParaRPr lang="en-GB" sz="2400"/>
             </a:p>
           </p:txBody>
         </p:sp>
@@ -4042,7 +4045,7 @@
             <a:lstStyle/>
             <a:p>
               <a:pPr algn="ctr"/>
-              <a:endParaRPr lang="en-GB"/>
+              <a:endParaRPr lang="en-GB" sz="2400"/>
             </a:p>
           </p:txBody>
         </p:sp>
@@ -4098,7 +4101,7 @@
             <a:lstStyle/>
             <a:p>
               <a:pPr algn="ctr"/>
-              <a:endParaRPr lang="en-GB"/>
+              <a:endParaRPr lang="en-GB" sz="2400"/>
             </a:p>
           </p:txBody>
         </p:sp>
@@ -4154,7 +4157,7 @@
             <a:lstStyle/>
             <a:p>
               <a:pPr algn="ctr"/>
-              <a:endParaRPr lang="en-GB"/>
+              <a:endParaRPr lang="en-GB" sz="2400"/>
             </a:p>
           </p:txBody>
         </p:sp>
@@ -4206,7 +4209,7 @@
             <a:lstStyle/>
             <a:p>
               <a:pPr algn="ctr"/>
-              <a:endParaRPr lang="en-GB"/>
+              <a:endParaRPr lang="en-GB" sz="2400"/>
             </a:p>
           </p:txBody>
         </p:sp>
@@ -4258,7 +4261,7 @@
             <a:lstStyle/>
             <a:p>
               <a:pPr algn="ctr"/>
-              <a:endParaRPr lang="en-GB"/>
+              <a:endParaRPr lang="en-GB" sz="2400"/>
             </a:p>
           </p:txBody>
         </p:sp>
@@ -4310,7 +4313,7 @@
             <a:lstStyle/>
             <a:p>
               <a:pPr algn="ctr"/>
-              <a:endParaRPr lang="en-GB"/>
+              <a:endParaRPr lang="en-GB" sz="2400"/>
             </a:p>
           </p:txBody>
         </p:sp>
@@ -4362,7 +4365,7 @@
             <a:lstStyle/>
             <a:p>
               <a:pPr algn="ctr"/>
-              <a:endParaRPr lang="en-GB"/>
+              <a:endParaRPr lang="en-GB" sz="2400"/>
             </a:p>
           </p:txBody>
         </p:sp>
@@ -4418,7 +4421,7 @@
             <a:lstStyle/>
             <a:p>
               <a:pPr algn="ctr"/>
-              <a:endParaRPr lang="en-GB"/>
+              <a:endParaRPr lang="en-GB" sz="2400"/>
             </a:p>
           </p:txBody>
         </p:sp>
@@ -4474,7 +4477,7 @@
             <a:lstStyle/>
             <a:p>
               <a:pPr algn="ctr"/>
-              <a:endParaRPr lang="en-GB"/>
+              <a:endParaRPr lang="en-GB" sz="2400"/>
             </a:p>
           </p:txBody>
         </p:sp>
@@ -4526,7 +4529,7 @@
             <a:lstStyle/>
             <a:p>
               <a:pPr algn="ctr"/>
-              <a:endParaRPr lang="en-GB"/>
+              <a:endParaRPr lang="en-GB" sz="2400"/>
             </a:p>
           </p:txBody>
         </p:sp>
@@ -4578,7 +4581,7 @@
             <a:lstStyle/>
             <a:p>
               <a:pPr algn="ctr"/>
-              <a:endParaRPr lang="en-GB"/>
+              <a:endParaRPr lang="en-GB" sz="2400"/>
             </a:p>
           </p:txBody>
         </p:sp>
@@ -4634,7 +4637,7 @@
             <a:lstStyle/>
             <a:p>
               <a:pPr algn="ctr"/>
-              <a:endParaRPr lang="en-GB"/>
+              <a:endParaRPr lang="en-GB" sz="2400"/>
             </a:p>
           </p:txBody>
         </p:sp>
@@ -4690,7 +4693,7 @@
             <a:lstStyle/>
             <a:p>
               <a:pPr algn="ctr"/>
-              <a:endParaRPr lang="en-GB"/>
+              <a:endParaRPr lang="en-GB" sz="2400"/>
             </a:p>
           </p:txBody>
         </p:sp>
@@ -4746,7 +4749,7 @@
             <a:lstStyle/>
             <a:p>
               <a:pPr algn="ctr"/>
-              <a:endParaRPr lang="en-GB"/>
+              <a:endParaRPr lang="en-GB" sz="2400"/>
             </a:p>
           </p:txBody>
         </p:sp>
@@ -4802,7 +4805,7 @@
             <a:lstStyle/>
             <a:p>
               <a:pPr algn="ctr"/>
-              <a:endParaRPr lang="en-GB"/>
+              <a:endParaRPr lang="en-GB" sz="2400"/>
             </a:p>
           </p:txBody>
         </p:sp>
@@ -4858,7 +4861,7 @@
             <a:lstStyle/>
             <a:p>
               <a:pPr algn="ctr"/>
-              <a:endParaRPr lang="en-GB"/>
+              <a:endParaRPr lang="en-GB" sz="2400"/>
             </a:p>
           </p:txBody>
         </p:sp>
@@ -4914,7 +4917,7 @@
             <a:lstStyle/>
             <a:p>
               <a:pPr algn="ctr"/>
-              <a:endParaRPr lang="en-GB"/>
+              <a:endParaRPr lang="en-GB" sz="2400"/>
             </a:p>
           </p:txBody>
         </p:sp>
@@ -4970,7 +4973,7 @@
             <a:lstStyle/>
             <a:p>
               <a:pPr algn="ctr"/>
-              <a:endParaRPr lang="en-GB"/>
+              <a:endParaRPr lang="en-GB" sz="2400"/>
             </a:p>
           </p:txBody>
         </p:sp>
@@ -5026,7 +5029,7 @@
             <a:lstStyle/>
             <a:p>
               <a:pPr algn="ctr"/>
-              <a:endParaRPr lang="en-GB"/>
+              <a:endParaRPr lang="en-GB" sz="2400"/>
             </a:p>
           </p:txBody>
         </p:sp>
@@ -5082,7 +5085,7 @@
             <a:lstStyle/>
             <a:p>
               <a:pPr algn="ctr"/>
-              <a:endParaRPr lang="en-GB"/>
+              <a:endParaRPr lang="en-GB" sz="2400"/>
             </a:p>
           </p:txBody>
         </p:sp>
@@ -5138,7 +5141,7 @@
             <a:lstStyle/>
             <a:p>
               <a:pPr algn="ctr"/>
-              <a:endParaRPr lang="en-GB"/>
+              <a:endParaRPr lang="en-GB" sz="2400"/>
             </a:p>
           </p:txBody>
         </p:sp>
@@ -5194,7 +5197,7 @@
             <a:lstStyle/>
             <a:p>
               <a:pPr algn="ctr"/>
-              <a:endParaRPr lang="en-GB"/>
+              <a:endParaRPr lang="en-GB" sz="2400"/>
             </a:p>
           </p:txBody>
         </p:sp>
@@ -5250,7 +5253,7 @@
             <a:lstStyle/>
             <a:p>
               <a:pPr algn="ctr"/>
-              <a:endParaRPr lang="en-GB"/>
+              <a:endParaRPr lang="en-GB" sz="2400"/>
             </a:p>
           </p:txBody>
         </p:sp>
@@ -5306,7 +5309,7 @@
             <a:lstStyle/>
             <a:p>
               <a:pPr algn="ctr"/>
-              <a:endParaRPr lang="en-GB"/>
+              <a:endParaRPr lang="en-GB" sz="2400"/>
             </a:p>
           </p:txBody>
         </p:sp>
@@ -5362,7 +5365,7 @@
             <a:lstStyle/>
             <a:p>
               <a:pPr algn="ctr"/>
-              <a:endParaRPr lang="en-GB"/>
+              <a:endParaRPr lang="en-GB" sz="2400"/>
             </a:p>
           </p:txBody>
         </p:sp>
@@ -5395,8 +5398,8 @@
         </p:blipFill>
         <p:spPr>
           <a:xfrm>
-            <a:off x="1409228" y="3318466"/>
-            <a:ext cx="2846705" cy="2881677"/>
+            <a:off x="1878928" y="2302230"/>
+            <a:ext cx="3795518" cy="3842146"/>
           </a:xfrm>
           <a:prstGeom prst="rect">
             <a:avLst/>
@@ -5417,8 +5420,8 @@
         </p:nvSpPr>
         <p:spPr>
           <a:xfrm>
-            <a:off x="5036348" y="1917374"/>
-            <a:ext cx="1397000" cy="5622900"/>
+            <a:off x="6714976" y="434152"/>
+            <a:ext cx="1862623" cy="7497025"/>
           </a:xfrm>
           <a:prstGeom prst="rect">
             <a:avLst/>
@@ -5451,7 +5454,7 @@
           <a:lstStyle/>
           <a:p>
             <a:pPr algn="ctr"/>
-            <a:endParaRPr lang="en-GB" dirty="0"/>
+            <a:endParaRPr lang="en-GB" sz="2400" dirty="0"/>
           </a:p>
         </p:txBody>
       </p:sp>
@@ -5469,8 +5472,8 @@
         </p:nvSpPr>
         <p:spPr>
           <a:xfrm>
-            <a:off x="3483868" y="7929226"/>
-            <a:ext cx="4501952" cy="646331"/>
+            <a:off x="4645049" y="8449768"/>
+            <a:ext cx="6002462" cy="830997"/>
           </a:xfrm>
           <a:prstGeom prst="rect">
             <a:avLst/>
@@ -5485,10 +5488,10 @@
           <a:p>
             <a:pPr algn="ctr"/>
             <a:r>
-              <a:rPr lang="en-US" dirty="0"/>
+              <a:rPr lang="en-US" sz="2400" dirty="0"/>
               <a:t>CNN Network – acts as a feature extractor for the input image </a:t>
             </a:r>
-            <a:endParaRPr lang="en-GB" dirty="0"/>
+            <a:endParaRPr lang="en-GB" sz="2400" dirty="0"/>
           </a:p>
         </p:txBody>
       </p:sp>
@@ -5506,8 +5509,8 @@
         </p:nvSpPr>
         <p:spPr>
           <a:xfrm>
-            <a:off x="8908792" y="8316740"/>
-            <a:ext cx="4501952" cy="1200329"/>
+            <a:off x="11878112" y="8966439"/>
+            <a:ext cx="6002462" cy="1569660"/>
           </a:xfrm>
           <a:prstGeom prst="rect">
             <a:avLst/>
@@ -5522,17 +5525,17 @@
           <a:p>
             <a:pPr algn="ctr"/>
             <a:r>
-              <a:rPr lang="en-US" dirty="0"/>
+              <a:rPr lang="en-US" sz="2400" dirty="0"/>
               <a:t>An example feature map of shape 7 x 6 values</a:t>
             </a:r>
           </a:p>
           <a:p>
             <a:pPr algn="ctr"/>
             <a:r>
-              <a:rPr lang="en-US" dirty="0"/>
+              <a:rPr lang="en-US" sz="2400" dirty="0"/>
               <a:t>Each value gives information about a spatial feature in the image, some hypothetical examples are highlighted</a:t>
             </a:r>
-            <a:endParaRPr lang="en-GB" dirty="0"/>
+            <a:endParaRPr lang="en-GB" sz="2400" dirty="0"/>
           </a:p>
         </p:txBody>
       </p:sp>
@@ -5550,8 +5553,8 @@
         </p:nvSpPr>
         <p:spPr>
           <a:xfrm>
-            <a:off x="7546070" y="3542487"/>
-            <a:ext cx="2116950" cy="307777"/>
+            <a:off x="10061192" y="2600917"/>
+            <a:ext cx="2822534" cy="379656"/>
           </a:xfrm>
           <a:prstGeom prst="rect">
             <a:avLst/>
@@ -5565,12 +5568,12 @@
           <a:lstStyle/>
           <a:p>
             <a:r>
-              <a:rPr lang="en-US" sz="1400" dirty="0">
+              <a:rPr lang="en-US" sz="1867" dirty="0">
                 <a:latin typeface="Consolas" panose="020B0609020204030204" pitchFamily="49" charset="0"/>
               </a:rPr>
               <a:t>Frisbee</a:t>
             </a:r>
-            <a:endParaRPr lang="en-GB" sz="1400" dirty="0">
+            <a:endParaRPr lang="en-GB" sz="1867" dirty="0">
               <a:latin typeface="Consolas" panose="020B0609020204030204" pitchFamily="49" charset="0"/>
             </a:endParaRPr>
           </a:p>
@@ -5590,8 +5593,8 @@
         </p:nvSpPr>
         <p:spPr>
           <a:xfrm>
-            <a:off x="7548665" y="5763742"/>
-            <a:ext cx="2116950" cy="307777"/>
+            <a:off x="10064652" y="5562521"/>
+            <a:ext cx="2822534" cy="379656"/>
           </a:xfrm>
           <a:prstGeom prst="rect">
             <a:avLst/>
@@ -5605,12 +5608,12 @@
           <a:lstStyle/>
           <a:p>
             <a:r>
-              <a:rPr lang="en-US" sz="1400" dirty="0">
+              <a:rPr lang="en-US" sz="1867" dirty="0">
                 <a:latin typeface="Consolas" panose="020B0609020204030204" pitchFamily="49" charset="0"/>
               </a:rPr>
               <a:t>Woman</a:t>
             </a:r>
-            <a:endParaRPr lang="en-GB" sz="1400" dirty="0">
+            <a:endParaRPr lang="en-GB" sz="1867" dirty="0">
               <a:latin typeface="Consolas" panose="020B0609020204030204" pitchFamily="49" charset="0"/>
             </a:endParaRPr>
           </a:p>
@@ -5630,8 +5633,8 @@
         </p:nvSpPr>
         <p:spPr>
           <a:xfrm>
-            <a:off x="8651755" y="3054658"/>
-            <a:ext cx="350670" cy="1171973"/>
+            <a:off x="11535406" y="1950494"/>
+            <a:ext cx="467549" cy="1562594"/>
           </a:xfrm>
           <a:prstGeom prst="leftBrace">
             <a:avLst/>
@@ -5656,7 +5659,7 @@
           <a:lstStyle/>
           <a:p>
             <a:pPr algn="ctr"/>
-            <a:endParaRPr lang="en-GB"/>
+            <a:endParaRPr lang="en-GB" sz="2400"/>
           </a:p>
         </p:txBody>
       </p:sp>
@@ -5674,8 +5677,8 @@
         </p:nvSpPr>
         <p:spPr>
           <a:xfrm>
-            <a:off x="8651754" y="4592661"/>
-            <a:ext cx="350671" cy="2625359"/>
+            <a:off x="11535403" y="4001119"/>
+            <a:ext cx="467550" cy="3500397"/>
           </a:xfrm>
           <a:prstGeom prst="leftBrace">
             <a:avLst/>
@@ -5700,7 +5703,7 @@
           <a:lstStyle/>
           <a:p>
             <a:pPr algn="ctr"/>
-            <a:endParaRPr lang="en-GB"/>
+            <a:endParaRPr lang="en-GB" sz="2400"/>
           </a:p>
         </p:txBody>
       </p:sp>
@@ -5718,8 +5721,8 @@
         </p:nvSpPr>
         <p:spPr>
           <a:xfrm flipH="1">
-            <a:off x="13443630" y="5288280"/>
-            <a:ext cx="328441" cy="1929739"/>
+            <a:off x="17924424" y="4928589"/>
+            <a:ext cx="437911" cy="2572925"/>
           </a:xfrm>
           <a:prstGeom prst="leftBrace">
             <a:avLst/>
@@ -5744,7 +5747,7 @@
           <a:lstStyle/>
           <a:p>
             <a:pPr algn="ctr"/>
-            <a:endParaRPr lang="en-GB"/>
+            <a:endParaRPr lang="en-GB" sz="2400"/>
           </a:p>
         </p:txBody>
       </p:sp>
@@ -5762,8 +5765,8 @@
         </p:nvSpPr>
         <p:spPr>
           <a:xfrm flipH="1">
-            <a:off x="13410744" y="2341550"/>
-            <a:ext cx="328441" cy="1929739"/>
+            <a:off x="17880577" y="999708"/>
+            <a:ext cx="437911" cy="2572925"/>
           </a:xfrm>
           <a:prstGeom prst="leftBrace">
             <a:avLst/>
@@ -5788,7 +5791,7 @@
           <a:lstStyle/>
           <a:p>
             <a:pPr algn="ctr"/>
-            <a:endParaRPr lang="en-GB"/>
+            <a:endParaRPr lang="en-GB" sz="2400"/>
           </a:p>
         </p:txBody>
       </p:sp>
@@ -5806,8 +5809,8 @@
         </p:nvSpPr>
         <p:spPr>
           <a:xfrm>
-            <a:off x="13957781" y="6057148"/>
-            <a:ext cx="2116950" cy="307777"/>
+            <a:off x="18609940" y="5953720"/>
+            <a:ext cx="2822534" cy="379656"/>
           </a:xfrm>
           <a:prstGeom prst="rect">
             <a:avLst/>
@@ -5821,12 +5824,12 @@
           <a:lstStyle/>
           <a:p>
             <a:r>
-              <a:rPr lang="en-US" sz="1400" dirty="0">
+              <a:rPr lang="en-US" sz="1867" dirty="0">
                 <a:latin typeface="Consolas" panose="020B0609020204030204" pitchFamily="49" charset="0"/>
               </a:rPr>
               <a:t>Little girl</a:t>
             </a:r>
-            <a:endParaRPr lang="en-GB" sz="1400" dirty="0">
+            <a:endParaRPr lang="en-GB" sz="1867" dirty="0">
               <a:latin typeface="Consolas" panose="020B0609020204030204" pitchFamily="49" charset="0"/>
             </a:endParaRPr>
           </a:p>
@@ -5846,8 +5849,8 @@
         </p:nvSpPr>
         <p:spPr>
           <a:xfrm>
-            <a:off x="13865248" y="3152530"/>
-            <a:ext cx="2116950" cy="307777"/>
+            <a:off x="18486565" y="2080986"/>
+            <a:ext cx="2822534" cy="379656"/>
           </a:xfrm>
           <a:prstGeom prst="rect">
             <a:avLst/>
@@ -5861,12 +5864,12 @@
           <a:lstStyle/>
           <a:p>
             <a:r>
-              <a:rPr lang="en-US" sz="1400" dirty="0">
+              <a:rPr lang="en-US" sz="1867" dirty="0">
                 <a:latin typeface="Consolas" panose="020B0609020204030204" pitchFamily="49" charset="0"/>
               </a:rPr>
               <a:t>Trees</a:t>
             </a:r>
-            <a:endParaRPr lang="en-GB" sz="1400" dirty="0">
+            <a:endParaRPr lang="en-GB" sz="1867" dirty="0">
               <a:latin typeface="Consolas" panose="020B0609020204030204" pitchFamily="49" charset="0"/>
             </a:endParaRPr>
           </a:p>
@@ -5886,8 +5889,8 @@
         </p:nvSpPr>
         <p:spPr>
           <a:xfrm rot="16200000">
-            <a:off x="11089615" y="6918989"/>
-            <a:ext cx="350670" cy="1171973"/>
+            <a:off x="14785810" y="7102815"/>
+            <a:ext cx="467549" cy="1562594"/>
           </a:xfrm>
           <a:prstGeom prst="leftBrace">
             <a:avLst/>
@@ -5912,7 +5915,7 @@
           <a:lstStyle/>
           <a:p>
             <a:pPr algn="ctr"/>
-            <a:endParaRPr lang="en-GB"/>
+            <a:endParaRPr lang="en-GB" sz="2400"/>
           </a:p>
         </p:txBody>
       </p:sp>
@@ -5930,8 +5933,8 @@
         </p:nvSpPr>
         <p:spPr>
           <a:xfrm>
-            <a:off x="10876563" y="7747655"/>
-            <a:ext cx="2116950" cy="307777"/>
+            <a:off x="14501745" y="8207676"/>
+            <a:ext cx="2822534" cy="379656"/>
           </a:xfrm>
           <a:prstGeom prst="rect">
             <a:avLst/>
@@ -5945,12 +5948,12 @@
           <a:lstStyle/>
           <a:p>
             <a:r>
-              <a:rPr lang="en-US" sz="1400" dirty="0">
+              <a:rPr lang="en-US" sz="1867" dirty="0">
                 <a:latin typeface="Consolas" panose="020B0609020204030204" pitchFamily="49" charset="0"/>
               </a:rPr>
               <a:t>Ground</a:t>
             </a:r>
-            <a:endParaRPr lang="en-GB" sz="1400" dirty="0">
+            <a:endParaRPr lang="en-GB" sz="1867" dirty="0">
               <a:latin typeface="Consolas" panose="020B0609020204030204" pitchFamily="49" charset="0"/>
             </a:endParaRPr>
           </a:p>
@@ -5972,8 +5975,8 @@
         </p:nvCxnSpPr>
         <p:spPr>
           <a:xfrm flipV="1">
-            <a:off x="4362614" y="4759300"/>
-            <a:ext cx="621466" cy="5"/>
+            <a:off x="5816683" y="4223299"/>
+            <a:ext cx="828602" cy="7"/>
           </a:xfrm>
           <a:prstGeom prst="straightConnector1">
             <a:avLst/>
@@ -6016,8 +6019,8 @@
         </p:nvCxnSpPr>
         <p:spPr>
           <a:xfrm flipV="1">
-            <a:off x="6592297" y="4759300"/>
-            <a:ext cx="1197180" cy="1"/>
+            <a:off x="8789526" y="4223299"/>
+            <a:ext cx="1596203" cy="1"/>
           </a:xfrm>
           <a:prstGeom prst="straightConnector1">
             <a:avLst/>
@@ -6058,8 +6061,8 @@
         </p:nvSpPr>
         <p:spPr>
           <a:xfrm>
-            <a:off x="451176" y="6521237"/>
-            <a:ext cx="4501952" cy="369332"/>
+            <a:off x="601554" y="6572491"/>
+            <a:ext cx="6002462" cy="461665"/>
           </a:xfrm>
           <a:prstGeom prst="rect">
             <a:avLst/>
@@ -6074,10 +6077,10 @@
           <a:p>
             <a:pPr algn="ctr"/>
             <a:r>
-              <a:rPr lang="en-US" dirty="0"/>
+              <a:rPr lang="en-US" sz="2400" dirty="0"/>
               <a:t>Input image to a CNN network</a:t>
             </a:r>
-            <a:endParaRPr lang="en-GB" dirty="0"/>
+            <a:endParaRPr lang="en-GB" sz="2400" dirty="0"/>
           </a:p>
         </p:txBody>
       </p:sp>
@@ -6095,8 +6098,8 @@
         </p:nvSpPr>
         <p:spPr>
           <a:xfrm rot="5400000">
-            <a:off x="4712668" y="4547579"/>
-            <a:ext cx="2022565" cy="369332"/>
+            <a:off x="6283412" y="3956394"/>
+            <a:ext cx="2696690" cy="461665"/>
           </a:xfrm>
           <a:prstGeom prst="rect">
             <a:avLst/>
@@ -6110,10 +6113,10 @@
           <a:lstStyle/>
           <a:p>
             <a:r>
-              <a:rPr lang="en-US" dirty="0"/>
+              <a:rPr lang="en-US" sz="2400" dirty="0"/>
               <a:t>CNN Network Stack</a:t>
             </a:r>
-            <a:endParaRPr lang="en-GB" dirty="0"/>
+            <a:endParaRPr lang="en-GB" sz="2400" dirty="0"/>
           </a:p>
         </p:txBody>
       </p:sp>
@@ -6121,6 +6124,3171 @@
     <p:extLst>
       <p:ext uri="{BB962C8B-B14F-4D97-AF65-F5344CB8AC3E}">
         <p14:creationId xmlns:p14="http://schemas.microsoft.com/office/powerpoint/2010/main" val="2464714557"/>
+      </p:ext>
+    </p:extLst>
+  </p:cSld>
+  <p:clrMapOvr>
+    <a:masterClrMapping/>
+  </p:clrMapOvr>
+</p:sld>
+</file>
+
+<file path=ppt/slides/slide2.xml><?xml version="1.0" encoding="utf-8"?>
+<p:sld xmlns:a="http://schemas.openxmlformats.org/drawingml/2006/main" xmlns:r="http://schemas.openxmlformats.org/officeDocument/2006/relationships" xmlns:p="http://schemas.openxmlformats.org/presentationml/2006/main">
+  <p:cSld>
+    <p:spTree>
+      <p:nvGrpSpPr>
+        <p:cNvPr id="1" name=""/>
+        <p:cNvGrpSpPr/>
+        <p:nvPr/>
+      </p:nvGrpSpPr>
+      <p:grpSpPr>
+        <a:xfrm>
+          <a:off x="0" y="0"/>
+          <a:ext cx="0" cy="0"/>
+          <a:chOff x="0" y="0"/>
+          <a:chExt cx="0" cy="0"/>
+        </a:xfrm>
+      </p:grpSpPr>
+      <p:grpSp>
+        <p:nvGrpSpPr>
+          <p:cNvPr id="56" name="Group 55">
+            <a:extLst>
+              <a:ext uri="{FF2B5EF4-FFF2-40B4-BE49-F238E27FC236}">
+                <a16:creationId xmlns:a16="http://schemas.microsoft.com/office/drawing/2014/main" id="{E209452E-0EE1-4DAF-8FE0-14F82A1BAF29}"/>
+              </a:ext>
+            </a:extLst>
+          </p:cNvPr>
+          <p:cNvGrpSpPr/>
+          <p:nvPr/>
+        </p:nvGrpSpPr>
+        <p:grpSpPr>
+          <a:xfrm>
+            <a:off x="12180115" y="1056872"/>
+            <a:ext cx="6602535" cy="7843147"/>
+            <a:chOff x="818951" y="1242362"/>
+            <a:chExt cx="4249817" cy="5247036"/>
+          </a:xfrm>
+        </p:grpSpPr>
+        <p:pic>
+          <p:nvPicPr>
+            <p:cNvPr id="5" name="Picture 4" descr="A person throwing a frisbee to a child&#10;&#10;Description automatically generated with medium confidence">
+              <a:extLst>
+                <a:ext uri="{FF2B5EF4-FFF2-40B4-BE49-F238E27FC236}">
+                  <a16:creationId xmlns:a16="http://schemas.microsoft.com/office/drawing/2014/main" id="{9696275D-4849-47B4-9168-FE2C738B9489}"/>
+                </a:ext>
+              </a:extLst>
+            </p:cNvPr>
+            <p:cNvPicPr>
+              <a:picLocks noChangeAspect="1"/>
+            </p:cNvPicPr>
+            <p:nvPr/>
+          </p:nvPicPr>
+          <p:blipFill>
+            <a:blip r:embed="rId2">
+              <a:extLst>
+                <a:ext uri="{28A0092B-C50C-407E-A947-70E740481C1C}">
+                  <a14:useLocalDpi xmlns:a14="http://schemas.microsoft.com/office/drawing/2010/main" val="0"/>
+                </a:ext>
+              </a:extLst>
+            </a:blip>
+            <a:stretch>
+              <a:fillRect/>
+            </a:stretch>
+          </p:blipFill>
+          <p:spPr>
+            <a:xfrm>
+              <a:off x="818951" y="1242362"/>
+              <a:ext cx="4249817" cy="5247036"/>
+            </a:xfrm>
+            <a:prstGeom prst="rect">
+              <a:avLst/>
+            </a:prstGeom>
+          </p:spPr>
+        </p:pic>
+        <p:sp>
+          <p:nvSpPr>
+            <p:cNvPr id="6" name="Rectangle 5">
+              <a:extLst>
+                <a:ext uri="{FF2B5EF4-FFF2-40B4-BE49-F238E27FC236}">
+                  <a16:creationId xmlns:a16="http://schemas.microsoft.com/office/drawing/2014/main" id="{84016FDE-E47B-4699-B961-AA3F03A481FA}"/>
+                </a:ext>
+              </a:extLst>
+            </p:cNvPr>
+            <p:cNvSpPr/>
+            <p:nvPr/>
+          </p:nvSpPr>
+          <p:spPr>
+            <a:xfrm>
+              <a:off x="977900" y="1346200"/>
+              <a:ext cx="673100" cy="711200"/>
+            </a:xfrm>
+            <a:prstGeom prst="rect">
+              <a:avLst/>
+            </a:prstGeom>
+            <a:solidFill>
+              <a:srgbClr val="44546A">
+                <a:alpha val="63137"/>
+              </a:srgbClr>
+            </a:solidFill>
+            <a:ln w="19050">
+              <a:solidFill>
+                <a:schemeClr val="tx1"/>
+              </a:solidFill>
+            </a:ln>
+          </p:spPr>
+          <p:style>
+            <a:lnRef idx="2">
+              <a:schemeClr val="accent1">
+                <a:shade val="50000"/>
+              </a:schemeClr>
+            </a:lnRef>
+            <a:fillRef idx="1">
+              <a:schemeClr val="accent1"/>
+            </a:fillRef>
+            <a:effectRef idx="0">
+              <a:schemeClr val="accent1"/>
+            </a:effectRef>
+            <a:fontRef idx="minor">
+              <a:schemeClr val="lt1"/>
+            </a:fontRef>
+          </p:style>
+          <p:txBody>
+            <a:bodyPr rtlCol="0" anchor="ctr"/>
+            <a:lstStyle/>
+            <a:p>
+              <a:pPr algn="ctr"/>
+              <a:endParaRPr lang="en-GB" sz="2400"/>
+            </a:p>
+          </p:txBody>
+        </p:sp>
+        <p:sp>
+          <p:nvSpPr>
+            <p:cNvPr id="8" name="Rectangle 7">
+              <a:extLst>
+                <a:ext uri="{FF2B5EF4-FFF2-40B4-BE49-F238E27FC236}">
+                  <a16:creationId xmlns:a16="http://schemas.microsoft.com/office/drawing/2014/main" id="{4FAFFF6E-2BBF-47BB-92A1-E29FB5F8BC77}"/>
+                </a:ext>
+              </a:extLst>
+            </p:cNvPr>
+            <p:cNvSpPr/>
+            <p:nvPr/>
+          </p:nvSpPr>
+          <p:spPr>
+            <a:xfrm>
+              <a:off x="1651000" y="1346200"/>
+              <a:ext cx="673100" cy="711200"/>
+            </a:xfrm>
+            <a:prstGeom prst="rect">
+              <a:avLst/>
+            </a:prstGeom>
+            <a:solidFill>
+              <a:srgbClr val="44546A">
+                <a:alpha val="63137"/>
+              </a:srgbClr>
+            </a:solidFill>
+            <a:ln w="19050">
+              <a:solidFill>
+                <a:schemeClr val="tx1"/>
+              </a:solidFill>
+            </a:ln>
+          </p:spPr>
+          <p:style>
+            <a:lnRef idx="2">
+              <a:schemeClr val="accent1">
+                <a:shade val="50000"/>
+              </a:schemeClr>
+            </a:lnRef>
+            <a:fillRef idx="1">
+              <a:schemeClr val="accent1"/>
+            </a:fillRef>
+            <a:effectRef idx="0">
+              <a:schemeClr val="accent1"/>
+            </a:effectRef>
+            <a:fontRef idx="minor">
+              <a:schemeClr val="lt1"/>
+            </a:fontRef>
+          </p:style>
+          <p:txBody>
+            <a:bodyPr rtlCol="0" anchor="ctr"/>
+            <a:lstStyle/>
+            <a:p>
+              <a:pPr algn="ctr"/>
+              <a:endParaRPr lang="en-GB" sz="2400"/>
+            </a:p>
+          </p:txBody>
+        </p:sp>
+        <p:sp>
+          <p:nvSpPr>
+            <p:cNvPr id="9" name="Rectangle 8">
+              <a:extLst>
+                <a:ext uri="{FF2B5EF4-FFF2-40B4-BE49-F238E27FC236}">
+                  <a16:creationId xmlns:a16="http://schemas.microsoft.com/office/drawing/2014/main" id="{D648F2DB-5E28-4BB8-8014-6B487345A994}"/>
+                </a:ext>
+              </a:extLst>
+            </p:cNvPr>
+            <p:cNvSpPr/>
+            <p:nvPr/>
+          </p:nvSpPr>
+          <p:spPr>
+            <a:xfrm>
+              <a:off x="2324100" y="1346200"/>
+              <a:ext cx="673100" cy="711200"/>
+            </a:xfrm>
+            <a:prstGeom prst="rect">
+              <a:avLst/>
+            </a:prstGeom>
+            <a:solidFill>
+              <a:srgbClr val="44546A">
+                <a:alpha val="63137"/>
+              </a:srgbClr>
+            </a:solidFill>
+            <a:ln w="19050">
+              <a:solidFill>
+                <a:schemeClr val="tx1"/>
+              </a:solidFill>
+            </a:ln>
+          </p:spPr>
+          <p:style>
+            <a:lnRef idx="2">
+              <a:schemeClr val="accent1">
+                <a:shade val="50000"/>
+              </a:schemeClr>
+            </a:lnRef>
+            <a:fillRef idx="1">
+              <a:schemeClr val="accent1"/>
+            </a:fillRef>
+            <a:effectRef idx="0">
+              <a:schemeClr val="accent1"/>
+            </a:effectRef>
+            <a:fontRef idx="minor">
+              <a:schemeClr val="lt1"/>
+            </a:fontRef>
+          </p:style>
+          <p:txBody>
+            <a:bodyPr rtlCol="0" anchor="ctr"/>
+            <a:lstStyle/>
+            <a:p>
+              <a:pPr algn="ctr"/>
+              <a:endParaRPr lang="en-GB" sz="2400"/>
+            </a:p>
+          </p:txBody>
+        </p:sp>
+        <p:sp>
+          <p:nvSpPr>
+            <p:cNvPr id="10" name="Rectangle 9">
+              <a:extLst>
+                <a:ext uri="{FF2B5EF4-FFF2-40B4-BE49-F238E27FC236}">
+                  <a16:creationId xmlns:a16="http://schemas.microsoft.com/office/drawing/2014/main" id="{E0BE4667-4A20-4F15-8630-B964063CDF6E}"/>
+                </a:ext>
+              </a:extLst>
+            </p:cNvPr>
+            <p:cNvSpPr/>
+            <p:nvPr/>
+          </p:nvSpPr>
+          <p:spPr>
+            <a:xfrm>
+              <a:off x="2997200" y="1346200"/>
+              <a:ext cx="673100" cy="711200"/>
+            </a:xfrm>
+            <a:prstGeom prst="rect">
+              <a:avLst/>
+            </a:prstGeom>
+            <a:solidFill>
+              <a:srgbClr val="44546A">
+                <a:alpha val="63137"/>
+              </a:srgbClr>
+            </a:solidFill>
+            <a:ln w="19050">
+              <a:solidFill>
+                <a:schemeClr val="tx1"/>
+              </a:solidFill>
+            </a:ln>
+          </p:spPr>
+          <p:style>
+            <a:lnRef idx="2">
+              <a:schemeClr val="accent1">
+                <a:shade val="50000"/>
+              </a:schemeClr>
+            </a:lnRef>
+            <a:fillRef idx="1">
+              <a:schemeClr val="accent1"/>
+            </a:fillRef>
+            <a:effectRef idx="0">
+              <a:schemeClr val="accent1"/>
+            </a:effectRef>
+            <a:fontRef idx="minor">
+              <a:schemeClr val="lt1"/>
+            </a:fontRef>
+          </p:style>
+          <p:txBody>
+            <a:bodyPr rtlCol="0" anchor="ctr"/>
+            <a:lstStyle/>
+            <a:p>
+              <a:pPr algn="ctr"/>
+              <a:endParaRPr lang="en-GB" sz="2400"/>
+            </a:p>
+          </p:txBody>
+        </p:sp>
+        <p:sp>
+          <p:nvSpPr>
+            <p:cNvPr id="11" name="Rectangle 10">
+              <a:extLst>
+                <a:ext uri="{FF2B5EF4-FFF2-40B4-BE49-F238E27FC236}">
+                  <a16:creationId xmlns:a16="http://schemas.microsoft.com/office/drawing/2014/main" id="{BE2543B1-E6B8-452A-8EC4-5DDB1F81F5D0}"/>
+                </a:ext>
+              </a:extLst>
+            </p:cNvPr>
+            <p:cNvSpPr/>
+            <p:nvPr/>
+          </p:nvSpPr>
+          <p:spPr>
+            <a:xfrm>
+              <a:off x="3670300" y="1346200"/>
+              <a:ext cx="673100" cy="711200"/>
+            </a:xfrm>
+            <a:prstGeom prst="rect">
+              <a:avLst/>
+            </a:prstGeom>
+            <a:solidFill>
+              <a:srgbClr val="44546A">
+                <a:alpha val="63137"/>
+              </a:srgbClr>
+            </a:solidFill>
+            <a:ln w="19050">
+              <a:solidFill>
+                <a:schemeClr val="tx1"/>
+              </a:solidFill>
+            </a:ln>
+          </p:spPr>
+          <p:style>
+            <a:lnRef idx="2">
+              <a:schemeClr val="accent1">
+                <a:shade val="50000"/>
+              </a:schemeClr>
+            </a:lnRef>
+            <a:fillRef idx="1">
+              <a:schemeClr val="accent1"/>
+            </a:fillRef>
+            <a:effectRef idx="0">
+              <a:schemeClr val="accent1"/>
+            </a:effectRef>
+            <a:fontRef idx="minor">
+              <a:schemeClr val="lt1"/>
+            </a:fontRef>
+          </p:style>
+          <p:txBody>
+            <a:bodyPr rtlCol="0" anchor="ctr"/>
+            <a:lstStyle/>
+            <a:p>
+              <a:pPr algn="ctr"/>
+              <a:endParaRPr lang="en-GB" sz="2400"/>
+            </a:p>
+          </p:txBody>
+        </p:sp>
+        <p:sp>
+          <p:nvSpPr>
+            <p:cNvPr id="12" name="Rectangle 11">
+              <a:extLst>
+                <a:ext uri="{FF2B5EF4-FFF2-40B4-BE49-F238E27FC236}">
+                  <a16:creationId xmlns:a16="http://schemas.microsoft.com/office/drawing/2014/main" id="{A31BC541-A306-4E55-B802-17A8B72C8C67}"/>
+                </a:ext>
+              </a:extLst>
+            </p:cNvPr>
+            <p:cNvSpPr/>
+            <p:nvPr/>
+          </p:nvSpPr>
+          <p:spPr>
+            <a:xfrm>
+              <a:off x="4343400" y="1346200"/>
+              <a:ext cx="673100" cy="711200"/>
+            </a:xfrm>
+            <a:prstGeom prst="rect">
+              <a:avLst/>
+            </a:prstGeom>
+            <a:solidFill>
+              <a:srgbClr val="44546A">
+                <a:alpha val="63137"/>
+              </a:srgbClr>
+            </a:solidFill>
+            <a:ln w="19050">
+              <a:solidFill>
+                <a:schemeClr val="tx1"/>
+              </a:solidFill>
+            </a:ln>
+          </p:spPr>
+          <p:style>
+            <a:lnRef idx="2">
+              <a:schemeClr val="accent1">
+                <a:shade val="50000"/>
+              </a:schemeClr>
+            </a:lnRef>
+            <a:fillRef idx="1">
+              <a:schemeClr val="accent1"/>
+            </a:fillRef>
+            <a:effectRef idx="0">
+              <a:schemeClr val="accent1"/>
+            </a:effectRef>
+            <a:fontRef idx="minor">
+              <a:schemeClr val="lt1"/>
+            </a:fontRef>
+          </p:style>
+          <p:txBody>
+            <a:bodyPr rtlCol="0" anchor="ctr"/>
+            <a:lstStyle/>
+            <a:p>
+              <a:pPr algn="ctr"/>
+              <a:endParaRPr lang="en-GB" sz="2400"/>
+            </a:p>
+          </p:txBody>
+        </p:sp>
+        <p:sp>
+          <p:nvSpPr>
+            <p:cNvPr id="15" name="Rectangle 14">
+              <a:extLst>
+                <a:ext uri="{FF2B5EF4-FFF2-40B4-BE49-F238E27FC236}">
+                  <a16:creationId xmlns:a16="http://schemas.microsoft.com/office/drawing/2014/main" id="{8C9B300F-1519-4F9F-96C9-D111F24BDD40}"/>
+                </a:ext>
+              </a:extLst>
+            </p:cNvPr>
+            <p:cNvSpPr/>
+            <p:nvPr/>
+          </p:nvSpPr>
+          <p:spPr>
+            <a:xfrm>
+              <a:off x="977900" y="2057400"/>
+              <a:ext cx="673100" cy="711200"/>
+            </a:xfrm>
+            <a:prstGeom prst="rect">
+              <a:avLst/>
+            </a:prstGeom>
+            <a:solidFill>
+              <a:srgbClr val="FF0000">
+                <a:alpha val="20000"/>
+              </a:srgbClr>
+            </a:solidFill>
+            <a:ln w="19050">
+              <a:solidFill>
+                <a:schemeClr val="tx1"/>
+              </a:solidFill>
+            </a:ln>
+          </p:spPr>
+          <p:style>
+            <a:lnRef idx="2">
+              <a:schemeClr val="accent1">
+                <a:shade val="50000"/>
+              </a:schemeClr>
+            </a:lnRef>
+            <a:fillRef idx="1">
+              <a:schemeClr val="accent1"/>
+            </a:fillRef>
+            <a:effectRef idx="0">
+              <a:schemeClr val="accent1"/>
+            </a:effectRef>
+            <a:fontRef idx="minor">
+              <a:schemeClr val="lt1"/>
+            </a:fontRef>
+          </p:style>
+          <p:txBody>
+            <a:bodyPr rtlCol="0" anchor="ctr"/>
+            <a:lstStyle/>
+            <a:p>
+              <a:pPr algn="ctr"/>
+              <a:endParaRPr lang="en-GB" sz="2400" dirty="0"/>
+            </a:p>
+          </p:txBody>
+        </p:sp>
+        <p:sp>
+          <p:nvSpPr>
+            <p:cNvPr id="16" name="Rectangle 15">
+              <a:extLst>
+                <a:ext uri="{FF2B5EF4-FFF2-40B4-BE49-F238E27FC236}">
+                  <a16:creationId xmlns:a16="http://schemas.microsoft.com/office/drawing/2014/main" id="{EE38666C-E4F0-4F5B-BCBF-C6F56529FB6F}"/>
+                </a:ext>
+              </a:extLst>
+            </p:cNvPr>
+            <p:cNvSpPr/>
+            <p:nvPr/>
+          </p:nvSpPr>
+          <p:spPr>
+            <a:xfrm>
+              <a:off x="1651000" y="2057400"/>
+              <a:ext cx="673100" cy="711200"/>
+            </a:xfrm>
+            <a:prstGeom prst="rect">
+              <a:avLst/>
+            </a:prstGeom>
+            <a:solidFill>
+              <a:srgbClr val="44546A">
+                <a:alpha val="63137"/>
+              </a:srgbClr>
+            </a:solidFill>
+            <a:ln w="19050">
+              <a:solidFill>
+                <a:schemeClr val="tx1"/>
+              </a:solidFill>
+            </a:ln>
+          </p:spPr>
+          <p:style>
+            <a:lnRef idx="2">
+              <a:schemeClr val="accent1">
+                <a:shade val="50000"/>
+              </a:schemeClr>
+            </a:lnRef>
+            <a:fillRef idx="1">
+              <a:schemeClr val="accent1"/>
+            </a:fillRef>
+            <a:effectRef idx="0">
+              <a:schemeClr val="accent1"/>
+            </a:effectRef>
+            <a:fontRef idx="minor">
+              <a:schemeClr val="lt1"/>
+            </a:fontRef>
+          </p:style>
+          <p:txBody>
+            <a:bodyPr rtlCol="0" anchor="ctr"/>
+            <a:lstStyle/>
+            <a:p>
+              <a:pPr algn="ctr"/>
+              <a:endParaRPr lang="en-GB" sz="2400"/>
+            </a:p>
+          </p:txBody>
+        </p:sp>
+        <p:sp>
+          <p:nvSpPr>
+            <p:cNvPr id="17" name="Rectangle 16">
+              <a:extLst>
+                <a:ext uri="{FF2B5EF4-FFF2-40B4-BE49-F238E27FC236}">
+                  <a16:creationId xmlns:a16="http://schemas.microsoft.com/office/drawing/2014/main" id="{87BB13E4-27D5-47E2-A1E1-E5945ADE3E57}"/>
+                </a:ext>
+              </a:extLst>
+            </p:cNvPr>
+            <p:cNvSpPr/>
+            <p:nvPr/>
+          </p:nvSpPr>
+          <p:spPr>
+            <a:xfrm>
+              <a:off x="2324100" y="2057400"/>
+              <a:ext cx="673100" cy="711200"/>
+            </a:xfrm>
+            <a:prstGeom prst="rect">
+              <a:avLst/>
+            </a:prstGeom>
+            <a:solidFill>
+              <a:srgbClr val="44546A">
+                <a:alpha val="63137"/>
+              </a:srgbClr>
+            </a:solidFill>
+            <a:ln w="19050">
+              <a:solidFill>
+                <a:schemeClr val="tx1"/>
+              </a:solidFill>
+            </a:ln>
+          </p:spPr>
+          <p:style>
+            <a:lnRef idx="2">
+              <a:schemeClr val="accent1">
+                <a:shade val="50000"/>
+              </a:schemeClr>
+            </a:lnRef>
+            <a:fillRef idx="1">
+              <a:schemeClr val="accent1"/>
+            </a:fillRef>
+            <a:effectRef idx="0">
+              <a:schemeClr val="accent1"/>
+            </a:effectRef>
+            <a:fontRef idx="minor">
+              <a:schemeClr val="lt1"/>
+            </a:fontRef>
+          </p:style>
+          <p:txBody>
+            <a:bodyPr rtlCol="0" anchor="ctr"/>
+            <a:lstStyle/>
+            <a:p>
+              <a:pPr algn="ctr"/>
+              <a:endParaRPr lang="en-GB" sz="2400"/>
+            </a:p>
+          </p:txBody>
+        </p:sp>
+        <p:sp>
+          <p:nvSpPr>
+            <p:cNvPr id="18" name="Rectangle 17">
+              <a:extLst>
+                <a:ext uri="{FF2B5EF4-FFF2-40B4-BE49-F238E27FC236}">
+                  <a16:creationId xmlns:a16="http://schemas.microsoft.com/office/drawing/2014/main" id="{F126DD61-4BF0-4FCE-8104-155E537FF72D}"/>
+                </a:ext>
+              </a:extLst>
+            </p:cNvPr>
+            <p:cNvSpPr/>
+            <p:nvPr/>
+          </p:nvSpPr>
+          <p:spPr>
+            <a:xfrm>
+              <a:off x="2997200" y="2057400"/>
+              <a:ext cx="673100" cy="711200"/>
+            </a:xfrm>
+            <a:prstGeom prst="rect">
+              <a:avLst/>
+            </a:prstGeom>
+            <a:solidFill>
+              <a:srgbClr val="44546A">
+                <a:alpha val="63137"/>
+              </a:srgbClr>
+            </a:solidFill>
+            <a:ln w="19050">
+              <a:solidFill>
+                <a:schemeClr val="tx1"/>
+              </a:solidFill>
+            </a:ln>
+          </p:spPr>
+          <p:style>
+            <a:lnRef idx="2">
+              <a:schemeClr val="accent1">
+                <a:shade val="50000"/>
+              </a:schemeClr>
+            </a:lnRef>
+            <a:fillRef idx="1">
+              <a:schemeClr val="accent1"/>
+            </a:fillRef>
+            <a:effectRef idx="0">
+              <a:schemeClr val="accent1"/>
+            </a:effectRef>
+            <a:fontRef idx="minor">
+              <a:schemeClr val="lt1"/>
+            </a:fontRef>
+          </p:style>
+          <p:txBody>
+            <a:bodyPr rtlCol="0" anchor="ctr"/>
+            <a:lstStyle/>
+            <a:p>
+              <a:pPr algn="ctr"/>
+              <a:endParaRPr lang="en-GB" sz="2400"/>
+            </a:p>
+          </p:txBody>
+        </p:sp>
+        <p:sp>
+          <p:nvSpPr>
+            <p:cNvPr id="19" name="Rectangle 18">
+              <a:extLst>
+                <a:ext uri="{FF2B5EF4-FFF2-40B4-BE49-F238E27FC236}">
+                  <a16:creationId xmlns:a16="http://schemas.microsoft.com/office/drawing/2014/main" id="{253A6821-21D0-4192-BCCF-EEA386AFDA98}"/>
+                </a:ext>
+              </a:extLst>
+            </p:cNvPr>
+            <p:cNvSpPr/>
+            <p:nvPr/>
+          </p:nvSpPr>
+          <p:spPr>
+            <a:xfrm>
+              <a:off x="3670300" y="2057400"/>
+              <a:ext cx="673100" cy="711200"/>
+            </a:xfrm>
+            <a:prstGeom prst="rect">
+              <a:avLst/>
+            </a:prstGeom>
+            <a:solidFill>
+              <a:srgbClr val="44546A">
+                <a:alpha val="63137"/>
+              </a:srgbClr>
+            </a:solidFill>
+            <a:ln w="19050">
+              <a:solidFill>
+                <a:schemeClr val="tx1"/>
+              </a:solidFill>
+            </a:ln>
+          </p:spPr>
+          <p:style>
+            <a:lnRef idx="2">
+              <a:schemeClr val="accent1">
+                <a:shade val="50000"/>
+              </a:schemeClr>
+            </a:lnRef>
+            <a:fillRef idx="1">
+              <a:schemeClr val="accent1"/>
+            </a:fillRef>
+            <a:effectRef idx="0">
+              <a:schemeClr val="accent1"/>
+            </a:effectRef>
+            <a:fontRef idx="minor">
+              <a:schemeClr val="lt1"/>
+            </a:fontRef>
+          </p:style>
+          <p:txBody>
+            <a:bodyPr rtlCol="0" anchor="ctr"/>
+            <a:lstStyle/>
+            <a:p>
+              <a:pPr algn="ctr"/>
+              <a:endParaRPr lang="en-GB" sz="2400"/>
+            </a:p>
+          </p:txBody>
+        </p:sp>
+        <p:sp>
+          <p:nvSpPr>
+            <p:cNvPr id="20" name="Rectangle 19">
+              <a:extLst>
+                <a:ext uri="{FF2B5EF4-FFF2-40B4-BE49-F238E27FC236}">
+                  <a16:creationId xmlns:a16="http://schemas.microsoft.com/office/drawing/2014/main" id="{64955B37-227D-4582-908A-9D1EF4E13112}"/>
+                </a:ext>
+              </a:extLst>
+            </p:cNvPr>
+            <p:cNvSpPr/>
+            <p:nvPr/>
+          </p:nvSpPr>
+          <p:spPr>
+            <a:xfrm>
+              <a:off x="4343400" y="2057400"/>
+              <a:ext cx="673100" cy="711200"/>
+            </a:xfrm>
+            <a:prstGeom prst="rect">
+              <a:avLst/>
+            </a:prstGeom>
+            <a:solidFill>
+              <a:srgbClr val="44546A">
+                <a:alpha val="63137"/>
+              </a:srgbClr>
+            </a:solidFill>
+            <a:ln w="19050">
+              <a:solidFill>
+                <a:schemeClr val="tx1"/>
+              </a:solidFill>
+            </a:ln>
+          </p:spPr>
+          <p:style>
+            <a:lnRef idx="2">
+              <a:schemeClr val="accent1">
+                <a:shade val="50000"/>
+              </a:schemeClr>
+            </a:lnRef>
+            <a:fillRef idx="1">
+              <a:schemeClr val="accent1"/>
+            </a:fillRef>
+            <a:effectRef idx="0">
+              <a:schemeClr val="accent1"/>
+            </a:effectRef>
+            <a:fontRef idx="minor">
+              <a:schemeClr val="lt1"/>
+            </a:fontRef>
+          </p:style>
+          <p:txBody>
+            <a:bodyPr rtlCol="0" anchor="ctr"/>
+            <a:lstStyle/>
+            <a:p>
+              <a:pPr algn="ctr"/>
+              <a:endParaRPr lang="en-GB" sz="2400"/>
+            </a:p>
+          </p:txBody>
+        </p:sp>
+        <p:sp>
+          <p:nvSpPr>
+            <p:cNvPr id="22" name="Rectangle 21">
+              <a:extLst>
+                <a:ext uri="{FF2B5EF4-FFF2-40B4-BE49-F238E27FC236}">
+                  <a16:creationId xmlns:a16="http://schemas.microsoft.com/office/drawing/2014/main" id="{736E8816-9CF1-4BEF-BC70-99F6CBC661DD}"/>
+                </a:ext>
+              </a:extLst>
+            </p:cNvPr>
+            <p:cNvSpPr/>
+            <p:nvPr/>
+          </p:nvSpPr>
+          <p:spPr>
+            <a:xfrm>
+              <a:off x="977900" y="2768600"/>
+              <a:ext cx="673100" cy="711200"/>
+            </a:xfrm>
+            <a:prstGeom prst="rect">
+              <a:avLst/>
+            </a:prstGeom>
+            <a:solidFill>
+              <a:srgbClr val="FF0000">
+                <a:alpha val="20000"/>
+              </a:srgbClr>
+            </a:solidFill>
+            <a:ln w="19050">
+              <a:solidFill>
+                <a:schemeClr val="tx1"/>
+              </a:solidFill>
+            </a:ln>
+          </p:spPr>
+          <p:style>
+            <a:lnRef idx="2">
+              <a:schemeClr val="accent1">
+                <a:shade val="50000"/>
+              </a:schemeClr>
+            </a:lnRef>
+            <a:fillRef idx="1">
+              <a:schemeClr val="accent1"/>
+            </a:fillRef>
+            <a:effectRef idx="0">
+              <a:schemeClr val="accent1"/>
+            </a:effectRef>
+            <a:fontRef idx="minor">
+              <a:schemeClr val="lt1"/>
+            </a:fontRef>
+          </p:style>
+          <p:txBody>
+            <a:bodyPr rtlCol="0" anchor="ctr"/>
+            <a:lstStyle/>
+            <a:p>
+              <a:pPr algn="ctr"/>
+              <a:endParaRPr lang="en-GB" sz="2400"/>
+            </a:p>
+          </p:txBody>
+        </p:sp>
+        <p:sp>
+          <p:nvSpPr>
+            <p:cNvPr id="23" name="Rectangle 22">
+              <a:extLst>
+                <a:ext uri="{FF2B5EF4-FFF2-40B4-BE49-F238E27FC236}">
+                  <a16:creationId xmlns:a16="http://schemas.microsoft.com/office/drawing/2014/main" id="{B0C532D3-4B52-463E-BB75-6886E18325E1}"/>
+                </a:ext>
+              </a:extLst>
+            </p:cNvPr>
+            <p:cNvSpPr/>
+            <p:nvPr/>
+          </p:nvSpPr>
+          <p:spPr>
+            <a:xfrm>
+              <a:off x="1651000" y="2768600"/>
+              <a:ext cx="673100" cy="711200"/>
+            </a:xfrm>
+            <a:prstGeom prst="rect">
+              <a:avLst/>
+            </a:prstGeom>
+            <a:solidFill>
+              <a:srgbClr val="CC99FF">
+                <a:alpha val="38824"/>
+              </a:srgbClr>
+            </a:solidFill>
+            <a:ln w="19050">
+              <a:solidFill>
+                <a:schemeClr val="tx1"/>
+              </a:solidFill>
+            </a:ln>
+          </p:spPr>
+          <p:style>
+            <a:lnRef idx="2">
+              <a:schemeClr val="accent1">
+                <a:shade val="50000"/>
+              </a:schemeClr>
+            </a:lnRef>
+            <a:fillRef idx="1">
+              <a:schemeClr val="accent1"/>
+            </a:fillRef>
+            <a:effectRef idx="0">
+              <a:schemeClr val="accent1"/>
+            </a:effectRef>
+            <a:fontRef idx="minor">
+              <a:schemeClr val="lt1"/>
+            </a:fontRef>
+          </p:style>
+          <p:txBody>
+            <a:bodyPr rtlCol="0" anchor="ctr"/>
+            <a:lstStyle/>
+            <a:p>
+              <a:pPr algn="ctr"/>
+              <a:endParaRPr lang="en-GB" sz="2400"/>
+            </a:p>
+          </p:txBody>
+        </p:sp>
+        <p:sp>
+          <p:nvSpPr>
+            <p:cNvPr id="24" name="Rectangle 23">
+              <a:extLst>
+                <a:ext uri="{FF2B5EF4-FFF2-40B4-BE49-F238E27FC236}">
+                  <a16:creationId xmlns:a16="http://schemas.microsoft.com/office/drawing/2014/main" id="{54F10A9B-9EDE-407A-B995-C70920645964}"/>
+                </a:ext>
+              </a:extLst>
+            </p:cNvPr>
+            <p:cNvSpPr/>
+            <p:nvPr/>
+          </p:nvSpPr>
+          <p:spPr>
+            <a:xfrm>
+              <a:off x="2324100" y="2768600"/>
+              <a:ext cx="673100" cy="711200"/>
+            </a:xfrm>
+            <a:prstGeom prst="rect">
+              <a:avLst/>
+            </a:prstGeom>
+            <a:solidFill>
+              <a:srgbClr val="44546A">
+                <a:alpha val="63137"/>
+              </a:srgbClr>
+            </a:solidFill>
+            <a:ln w="19050">
+              <a:solidFill>
+                <a:schemeClr val="tx1"/>
+              </a:solidFill>
+            </a:ln>
+          </p:spPr>
+          <p:style>
+            <a:lnRef idx="2">
+              <a:schemeClr val="accent1">
+                <a:shade val="50000"/>
+              </a:schemeClr>
+            </a:lnRef>
+            <a:fillRef idx="1">
+              <a:schemeClr val="accent1"/>
+            </a:fillRef>
+            <a:effectRef idx="0">
+              <a:schemeClr val="accent1"/>
+            </a:effectRef>
+            <a:fontRef idx="minor">
+              <a:schemeClr val="lt1"/>
+            </a:fontRef>
+          </p:style>
+          <p:txBody>
+            <a:bodyPr rtlCol="0" anchor="ctr"/>
+            <a:lstStyle/>
+            <a:p>
+              <a:pPr algn="ctr"/>
+              <a:endParaRPr lang="en-GB" sz="2400"/>
+            </a:p>
+          </p:txBody>
+        </p:sp>
+        <p:sp>
+          <p:nvSpPr>
+            <p:cNvPr id="25" name="Rectangle 24">
+              <a:extLst>
+                <a:ext uri="{FF2B5EF4-FFF2-40B4-BE49-F238E27FC236}">
+                  <a16:creationId xmlns:a16="http://schemas.microsoft.com/office/drawing/2014/main" id="{C3DD5B6C-C0C8-4EF0-9AA7-59F4C3C8F8DB}"/>
+                </a:ext>
+              </a:extLst>
+            </p:cNvPr>
+            <p:cNvSpPr/>
+            <p:nvPr/>
+          </p:nvSpPr>
+          <p:spPr>
+            <a:xfrm>
+              <a:off x="2997200" y="2768600"/>
+              <a:ext cx="673100" cy="711200"/>
+            </a:xfrm>
+            <a:prstGeom prst="rect">
+              <a:avLst/>
+            </a:prstGeom>
+            <a:solidFill>
+              <a:srgbClr val="44546A">
+                <a:alpha val="63137"/>
+              </a:srgbClr>
+            </a:solidFill>
+            <a:ln w="19050">
+              <a:solidFill>
+                <a:schemeClr val="tx1"/>
+              </a:solidFill>
+            </a:ln>
+          </p:spPr>
+          <p:style>
+            <a:lnRef idx="2">
+              <a:schemeClr val="accent1">
+                <a:shade val="50000"/>
+              </a:schemeClr>
+            </a:lnRef>
+            <a:fillRef idx="1">
+              <a:schemeClr val="accent1"/>
+            </a:fillRef>
+            <a:effectRef idx="0">
+              <a:schemeClr val="accent1"/>
+            </a:effectRef>
+            <a:fontRef idx="minor">
+              <a:schemeClr val="lt1"/>
+            </a:fontRef>
+          </p:style>
+          <p:txBody>
+            <a:bodyPr rtlCol="0" anchor="ctr"/>
+            <a:lstStyle/>
+            <a:p>
+              <a:pPr algn="ctr"/>
+              <a:endParaRPr lang="en-GB" sz="2400"/>
+            </a:p>
+          </p:txBody>
+        </p:sp>
+        <p:sp>
+          <p:nvSpPr>
+            <p:cNvPr id="26" name="Rectangle 25">
+              <a:extLst>
+                <a:ext uri="{FF2B5EF4-FFF2-40B4-BE49-F238E27FC236}">
+                  <a16:creationId xmlns:a16="http://schemas.microsoft.com/office/drawing/2014/main" id="{EEF4ADBD-942A-4F03-BD49-C02C9AD94D5D}"/>
+                </a:ext>
+              </a:extLst>
+            </p:cNvPr>
+            <p:cNvSpPr/>
+            <p:nvPr/>
+          </p:nvSpPr>
+          <p:spPr>
+            <a:xfrm>
+              <a:off x="3670300" y="2768600"/>
+              <a:ext cx="673100" cy="711200"/>
+            </a:xfrm>
+            <a:prstGeom prst="rect">
+              <a:avLst/>
+            </a:prstGeom>
+            <a:solidFill>
+              <a:srgbClr val="44546A">
+                <a:alpha val="63137"/>
+              </a:srgbClr>
+            </a:solidFill>
+            <a:ln w="19050">
+              <a:solidFill>
+                <a:schemeClr val="tx1"/>
+              </a:solidFill>
+            </a:ln>
+          </p:spPr>
+          <p:style>
+            <a:lnRef idx="2">
+              <a:schemeClr val="accent1">
+                <a:shade val="50000"/>
+              </a:schemeClr>
+            </a:lnRef>
+            <a:fillRef idx="1">
+              <a:schemeClr val="accent1"/>
+            </a:fillRef>
+            <a:effectRef idx="0">
+              <a:schemeClr val="accent1"/>
+            </a:effectRef>
+            <a:fontRef idx="minor">
+              <a:schemeClr val="lt1"/>
+            </a:fontRef>
+          </p:style>
+          <p:txBody>
+            <a:bodyPr rtlCol="0" anchor="ctr"/>
+            <a:lstStyle/>
+            <a:p>
+              <a:pPr algn="ctr"/>
+              <a:endParaRPr lang="en-GB" sz="2400"/>
+            </a:p>
+          </p:txBody>
+        </p:sp>
+        <p:sp>
+          <p:nvSpPr>
+            <p:cNvPr id="27" name="Rectangle 26">
+              <a:extLst>
+                <a:ext uri="{FF2B5EF4-FFF2-40B4-BE49-F238E27FC236}">
+                  <a16:creationId xmlns:a16="http://schemas.microsoft.com/office/drawing/2014/main" id="{0D0365D0-4F42-4523-9B4C-7944C97FF452}"/>
+                </a:ext>
+              </a:extLst>
+            </p:cNvPr>
+            <p:cNvSpPr/>
+            <p:nvPr/>
+          </p:nvSpPr>
+          <p:spPr>
+            <a:xfrm>
+              <a:off x="4343400" y="2768600"/>
+              <a:ext cx="673100" cy="711200"/>
+            </a:xfrm>
+            <a:prstGeom prst="rect">
+              <a:avLst/>
+            </a:prstGeom>
+            <a:solidFill>
+              <a:srgbClr val="44546A">
+                <a:alpha val="63137"/>
+              </a:srgbClr>
+            </a:solidFill>
+            <a:ln w="19050">
+              <a:solidFill>
+                <a:schemeClr val="tx1"/>
+              </a:solidFill>
+            </a:ln>
+          </p:spPr>
+          <p:style>
+            <a:lnRef idx="2">
+              <a:schemeClr val="accent1">
+                <a:shade val="50000"/>
+              </a:schemeClr>
+            </a:lnRef>
+            <a:fillRef idx="1">
+              <a:schemeClr val="accent1"/>
+            </a:fillRef>
+            <a:effectRef idx="0">
+              <a:schemeClr val="accent1"/>
+            </a:effectRef>
+            <a:fontRef idx="minor">
+              <a:schemeClr val="lt1"/>
+            </a:fontRef>
+          </p:style>
+          <p:txBody>
+            <a:bodyPr rtlCol="0" anchor="ctr"/>
+            <a:lstStyle/>
+            <a:p>
+              <a:pPr algn="ctr"/>
+              <a:endParaRPr lang="en-GB" sz="2400"/>
+            </a:p>
+          </p:txBody>
+        </p:sp>
+        <p:sp>
+          <p:nvSpPr>
+            <p:cNvPr id="29" name="Rectangle 28">
+              <a:extLst>
+                <a:ext uri="{FF2B5EF4-FFF2-40B4-BE49-F238E27FC236}">
+                  <a16:creationId xmlns:a16="http://schemas.microsoft.com/office/drawing/2014/main" id="{05FC9BDE-1927-40FF-8CD6-03FDDAAF7AD7}"/>
+                </a:ext>
+              </a:extLst>
+            </p:cNvPr>
+            <p:cNvSpPr/>
+            <p:nvPr/>
+          </p:nvSpPr>
+          <p:spPr>
+            <a:xfrm>
+              <a:off x="977900" y="3479800"/>
+              <a:ext cx="673100" cy="711200"/>
+            </a:xfrm>
+            <a:prstGeom prst="rect">
+              <a:avLst/>
+            </a:prstGeom>
+            <a:solidFill>
+              <a:srgbClr val="CC99FF">
+                <a:alpha val="38824"/>
+              </a:srgbClr>
+            </a:solidFill>
+            <a:ln w="19050">
+              <a:solidFill>
+                <a:schemeClr val="tx1"/>
+              </a:solidFill>
+            </a:ln>
+          </p:spPr>
+          <p:style>
+            <a:lnRef idx="2">
+              <a:schemeClr val="accent1">
+                <a:shade val="50000"/>
+              </a:schemeClr>
+            </a:lnRef>
+            <a:fillRef idx="1">
+              <a:schemeClr val="accent1"/>
+            </a:fillRef>
+            <a:effectRef idx="0">
+              <a:schemeClr val="accent1"/>
+            </a:effectRef>
+            <a:fontRef idx="minor">
+              <a:schemeClr val="lt1"/>
+            </a:fontRef>
+          </p:style>
+          <p:txBody>
+            <a:bodyPr rtlCol="0" anchor="ctr"/>
+            <a:lstStyle/>
+            <a:p>
+              <a:pPr algn="ctr"/>
+              <a:endParaRPr lang="en-GB" sz="2400"/>
+            </a:p>
+          </p:txBody>
+        </p:sp>
+        <p:sp>
+          <p:nvSpPr>
+            <p:cNvPr id="30" name="Rectangle 29">
+              <a:extLst>
+                <a:ext uri="{FF2B5EF4-FFF2-40B4-BE49-F238E27FC236}">
+                  <a16:creationId xmlns:a16="http://schemas.microsoft.com/office/drawing/2014/main" id="{EDB19A76-45A7-4A29-B671-826BF4AF2D80}"/>
+                </a:ext>
+              </a:extLst>
+            </p:cNvPr>
+            <p:cNvSpPr/>
+            <p:nvPr/>
+          </p:nvSpPr>
+          <p:spPr>
+            <a:xfrm>
+              <a:off x="1651000" y="3479800"/>
+              <a:ext cx="673100" cy="711200"/>
+            </a:xfrm>
+            <a:prstGeom prst="rect">
+              <a:avLst/>
+            </a:prstGeom>
+            <a:solidFill>
+              <a:srgbClr val="CC99FF">
+                <a:alpha val="38824"/>
+              </a:srgbClr>
+            </a:solidFill>
+            <a:ln w="19050">
+              <a:solidFill>
+                <a:schemeClr val="tx1"/>
+              </a:solidFill>
+            </a:ln>
+          </p:spPr>
+          <p:style>
+            <a:lnRef idx="2">
+              <a:schemeClr val="accent1">
+                <a:shade val="50000"/>
+              </a:schemeClr>
+            </a:lnRef>
+            <a:fillRef idx="1">
+              <a:schemeClr val="accent1"/>
+            </a:fillRef>
+            <a:effectRef idx="0">
+              <a:schemeClr val="accent1"/>
+            </a:effectRef>
+            <a:fontRef idx="minor">
+              <a:schemeClr val="lt1"/>
+            </a:fontRef>
+          </p:style>
+          <p:txBody>
+            <a:bodyPr rtlCol="0" anchor="ctr"/>
+            <a:lstStyle/>
+            <a:p>
+              <a:pPr algn="ctr"/>
+              <a:endParaRPr lang="en-GB" sz="2400"/>
+            </a:p>
+          </p:txBody>
+        </p:sp>
+        <p:sp>
+          <p:nvSpPr>
+            <p:cNvPr id="31" name="Rectangle 30">
+              <a:extLst>
+                <a:ext uri="{FF2B5EF4-FFF2-40B4-BE49-F238E27FC236}">
+                  <a16:creationId xmlns:a16="http://schemas.microsoft.com/office/drawing/2014/main" id="{7F063F95-B34C-42B3-9078-66C3C884B88F}"/>
+                </a:ext>
+              </a:extLst>
+            </p:cNvPr>
+            <p:cNvSpPr/>
+            <p:nvPr/>
+          </p:nvSpPr>
+          <p:spPr>
+            <a:xfrm>
+              <a:off x="2324100" y="3479800"/>
+              <a:ext cx="673100" cy="711200"/>
+            </a:xfrm>
+            <a:prstGeom prst="rect">
+              <a:avLst/>
+            </a:prstGeom>
+            <a:noFill/>
+            <a:ln w="19050">
+              <a:solidFill>
+                <a:schemeClr val="tx1"/>
+              </a:solidFill>
+            </a:ln>
+          </p:spPr>
+          <p:style>
+            <a:lnRef idx="2">
+              <a:schemeClr val="accent1">
+                <a:shade val="50000"/>
+              </a:schemeClr>
+            </a:lnRef>
+            <a:fillRef idx="1">
+              <a:schemeClr val="accent1"/>
+            </a:fillRef>
+            <a:effectRef idx="0">
+              <a:schemeClr val="accent1"/>
+            </a:effectRef>
+            <a:fontRef idx="minor">
+              <a:schemeClr val="lt1"/>
+            </a:fontRef>
+          </p:style>
+          <p:txBody>
+            <a:bodyPr rtlCol="0" anchor="ctr"/>
+            <a:lstStyle/>
+            <a:p>
+              <a:pPr algn="ctr"/>
+              <a:endParaRPr lang="en-GB" sz="2400"/>
+            </a:p>
+          </p:txBody>
+        </p:sp>
+        <p:sp>
+          <p:nvSpPr>
+            <p:cNvPr id="32" name="Rectangle 31">
+              <a:extLst>
+                <a:ext uri="{FF2B5EF4-FFF2-40B4-BE49-F238E27FC236}">
+                  <a16:creationId xmlns:a16="http://schemas.microsoft.com/office/drawing/2014/main" id="{EB2C7351-FE4C-4E92-A188-08A41BD5D32A}"/>
+                </a:ext>
+              </a:extLst>
+            </p:cNvPr>
+            <p:cNvSpPr/>
+            <p:nvPr/>
+          </p:nvSpPr>
+          <p:spPr>
+            <a:xfrm>
+              <a:off x="2997200" y="3479800"/>
+              <a:ext cx="673100" cy="711200"/>
+            </a:xfrm>
+            <a:prstGeom prst="rect">
+              <a:avLst/>
+            </a:prstGeom>
+            <a:noFill/>
+            <a:ln w="19050">
+              <a:solidFill>
+                <a:schemeClr val="tx1"/>
+              </a:solidFill>
+            </a:ln>
+          </p:spPr>
+          <p:style>
+            <a:lnRef idx="2">
+              <a:schemeClr val="accent1">
+                <a:shade val="50000"/>
+              </a:schemeClr>
+            </a:lnRef>
+            <a:fillRef idx="1">
+              <a:schemeClr val="accent1"/>
+            </a:fillRef>
+            <a:effectRef idx="0">
+              <a:schemeClr val="accent1"/>
+            </a:effectRef>
+            <a:fontRef idx="minor">
+              <a:schemeClr val="lt1"/>
+            </a:fontRef>
+          </p:style>
+          <p:txBody>
+            <a:bodyPr rtlCol="0" anchor="ctr"/>
+            <a:lstStyle/>
+            <a:p>
+              <a:pPr algn="ctr"/>
+              <a:endParaRPr lang="en-GB" sz="2400"/>
+            </a:p>
+          </p:txBody>
+        </p:sp>
+        <p:sp>
+          <p:nvSpPr>
+            <p:cNvPr id="33" name="Rectangle 32">
+              <a:extLst>
+                <a:ext uri="{FF2B5EF4-FFF2-40B4-BE49-F238E27FC236}">
+                  <a16:creationId xmlns:a16="http://schemas.microsoft.com/office/drawing/2014/main" id="{E32F32A9-0E6E-4ED4-A153-FA99CCE592EB}"/>
+                </a:ext>
+              </a:extLst>
+            </p:cNvPr>
+            <p:cNvSpPr/>
+            <p:nvPr/>
+          </p:nvSpPr>
+          <p:spPr>
+            <a:xfrm>
+              <a:off x="3670300" y="3479800"/>
+              <a:ext cx="673100" cy="711200"/>
+            </a:xfrm>
+            <a:prstGeom prst="rect">
+              <a:avLst/>
+            </a:prstGeom>
+            <a:noFill/>
+            <a:ln w="19050">
+              <a:solidFill>
+                <a:schemeClr val="tx1"/>
+              </a:solidFill>
+            </a:ln>
+          </p:spPr>
+          <p:style>
+            <a:lnRef idx="2">
+              <a:schemeClr val="accent1">
+                <a:shade val="50000"/>
+              </a:schemeClr>
+            </a:lnRef>
+            <a:fillRef idx="1">
+              <a:schemeClr val="accent1"/>
+            </a:fillRef>
+            <a:effectRef idx="0">
+              <a:schemeClr val="accent1"/>
+            </a:effectRef>
+            <a:fontRef idx="minor">
+              <a:schemeClr val="lt1"/>
+            </a:fontRef>
+          </p:style>
+          <p:txBody>
+            <a:bodyPr rtlCol="0" anchor="ctr"/>
+            <a:lstStyle/>
+            <a:p>
+              <a:pPr algn="ctr"/>
+              <a:endParaRPr lang="en-GB" sz="2400"/>
+            </a:p>
+          </p:txBody>
+        </p:sp>
+        <p:sp>
+          <p:nvSpPr>
+            <p:cNvPr id="34" name="Rectangle 33">
+              <a:extLst>
+                <a:ext uri="{FF2B5EF4-FFF2-40B4-BE49-F238E27FC236}">
+                  <a16:creationId xmlns:a16="http://schemas.microsoft.com/office/drawing/2014/main" id="{D7DDAEAA-72E3-4398-ADC5-280D70A7F651}"/>
+                </a:ext>
+              </a:extLst>
+            </p:cNvPr>
+            <p:cNvSpPr/>
+            <p:nvPr/>
+          </p:nvSpPr>
+          <p:spPr>
+            <a:xfrm>
+              <a:off x="4343400" y="3479800"/>
+              <a:ext cx="673100" cy="711200"/>
+            </a:xfrm>
+            <a:prstGeom prst="rect">
+              <a:avLst/>
+            </a:prstGeom>
+            <a:noFill/>
+            <a:ln w="19050">
+              <a:solidFill>
+                <a:schemeClr val="tx1"/>
+              </a:solidFill>
+            </a:ln>
+          </p:spPr>
+          <p:style>
+            <a:lnRef idx="2">
+              <a:schemeClr val="accent1">
+                <a:shade val="50000"/>
+              </a:schemeClr>
+            </a:lnRef>
+            <a:fillRef idx="1">
+              <a:schemeClr val="accent1"/>
+            </a:fillRef>
+            <a:effectRef idx="0">
+              <a:schemeClr val="accent1"/>
+            </a:effectRef>
+            <a:fontRef idx="minor">
+              <a:schemeClr val="lt1"/>
+            </a:fontRef>
+          </p:style>
+          <p:txBody>
+            <a:bodyPr rtlCol="0" anchor="ctr"/>
+            <a:lstStyle/>
+            <a:p>
+              <a:pPr algn="ctr"/>
+              <a:endParaRPr lang="en-GB" sz="2400"/>
+            </a:p>
+          </p:txBody>
+        </p:sp>
+        <p:sp>
+          <p:nvSpPr>
+            <p:cNvPr id="36" name="Rectangle 35">
+              <a:extLst>
+                <a:ext uri="{FF2B5EF4-FFF2-40B4-BE49-F238E27FC236}">
+                  <a16:creationId xmlns:a16="http://schemas.microsoft.com/office/drawing/2014/main" id="{CCCFC43D-4E39-486A-A77F-6CDBF66B8DB7}"/>
+                </a:ext>
+              </a:extLst>
+            </p:cNvPr>
+            <p:cNvSpPr/>
+            <p:nvPr/>
+          </p:nvSpPr>
+          <p:spPr>
+            <a:xfrm>
+              <a:off x="977900" y="4191000"/>
+              <a:ext cx="673100" cy="711200"/>
+            </a:xfrm>
+            <a:prstGeom prst="rect">
+              <a:avLst/>
+            </a:prstGeom>
+            <a:solidFill>
+              <a:srgbClr val="CC99FF">
+                <a:alpha val="38824"/>
+              </a:srgbClr>
+            </a:solidFill>
+            <a:ln w="19050">
+              <a:solidFill>
+                <a:schemeClr val="tx1"/>
+              </a:solidFill>
+            </a:ln>
+          </p:spPr>
+          <p:style>
+            <a:lnRef idx="2">
+              <a:schemeClr val="accent1">
+                <a:shade val="50000"/>
+              </a:schemeClr>
+            </a:lnRef>
+            <a:fillRef idx="1">
+              <a:schemeClr val="accent1"/>
+            </a:fillRef>
+            <a:effectRef idx="0">
+              <a:schemeClr val="accent1"/>
+            </a:effectRef>
+            <a:fontRef idx="minor">
+              <a:schemeClr val="lt1"/>
+            </a:fontRef>
+          </p:style>
+          <p:txBody>
+            <a:bodyPr rtlCol="0" anchor="ctr"/>
+            <a:lstStyle/>
+            <a:p>
+              <a:pPr algn="ctr"/>
+              <a:endParaRPr lang="en-GB" sz="2400"/>
+            </a:p>
+          </p:txBody>
+        </p:sp>
+        <p:sp>
+          <p:nvSpPr>
+            <p:cNvPr id="37" name="Rectangle 36">
+              <a:extLst>
+                <a:ext uri="{FF2B5EF4-FFF2-40B4-BE49-F238E27FC236}">
+                  <a16:creationId xmlns:a16="http://schemas.microsoft.com/office/drawing/2014/main" id="{65C1A6BA-725E-4971-A45E-F9A17B74E53F}"/>
+                </a:ext>
+              </a:extLst>
+            </p:cNvPr>
+            <p:cNvSpPr/>
+            <p:nvPr/>
+          </p:nvSpPr>
+          <p:spPr>
+            <a:xfrm>
+              <a:off x="1651000" y="4191000"/>
+              <a:ext cx="673100" cy="711200"/>
+            </a:xfrm>
+            <a:prstGeom prst="rect">
+              <a:avLst/>
+            </a:prstGeom>
+            <a:solidFill>
+              <a:srgbClr val="CC99FF">
+                <a:alpha val="38824"/>
+              </a:srgbClr>
+            </a:solidFill>
+            <a:ln w="19050">
+              <a:solidFill>
+                <a:schemeClr val="tx1"/>
+              </a:solidFill>
+            </a:ln>
+          </p:spPr>
+          <p:style>
+            <a:lnRef idx="2">
+              <a:schemeClr val="accent1">
+                <a:shade val="50000"/>
+              </a:schemeClr>
+            </a:lnRef>
+            <a:fillRef idx="1">
+              <a:schemeClr val="accent1"/>
+            </a:fillRef>
+            <a:effectRef idx="0">
+              <a:schemeClr val="accent1"/>
+            </a:effectRef>
+            <a:fontRef idx="minor">
+              <a:schemeClr val="lt1"/>
+            </a:fontRef>
+          </p:style>
+          <p:txBody>
+            <a:bodyPr rtlCol="0" anchor="ctr"/>
+            <a:lstStyle/>
+            <a:p>
+              <a:pPr algn="ctr"/>
+              <a:endParaRPr lang="en-GB" sz="2400"/>
+            </a:p>
+          </p:txBody>
+        </p:sp>
+        <p:sp>
+          <p:nvSpPr>
+            <p:cNvPr id="38" name="Rectangle 37">
+              <a:extLst>
+                <a:ext uri="{FF2B5EF4-FFF2-40B4-BE49-F238E27FC236}">
+                  <a16:creationId xmlns:a16="http://schemas.microsoft.com/office/drawing/2014/main" id="{5B17F4EE-56C8-48EF-A3C8-35C813F8BCB8}"/>
+                </a:ext>
+              </a:extLst>
+            </p:cNvPr>
+            <p:cNvSpPr/>
+            <p:nvPr/>
+          </p:nvSpPr>
+          <p:spPr>
+            <a:xfrm>
+              <a:off x="2324100" y="4191000"/>
+              <a:ext cx="673100" cy="711200"/>
+            </a:xfrm>
+            <a:prstGeom prst="rect">
+              <a:avLst/>
+            </a:prstGeom>
+            <a:noFill/>
+            <a:ln w="19050">
+              <a:solidFill>
+                <a:schemeClr val="tx1"/>
+              </a:solidFill>
+            </a:ln>
+          </p:spPr>
+          <p:style>
+            <a:lnRef idx="2">
+              <a:schemeClr val="accent1">
+                <a:shade val="50000"/>
+              </a:schemeClr>
+            </a:lnRef>
+            <a:fillRef idx="1">
+              <a:schemeClr val="accent1"/>
+            </a:fillRef>
+            <a:effectRef idx="0">
+              <a:schemeClr val="accent1"/>
+            </a:effectRef>
+            <a:fontRef idx="minor">
+              <a:schemeClr val="lt1"/>
+            </a:fontRef>
+          </p:style>
+          <p:txBody>
+            <a:bodyPr rtlCol="0" anchor="ctr"/>
+            <a:lstStyle/>
+            <a:p>
+              <a:pPr algn="ctr"/>
+              <a:endParaRPr lang="en-GB" sz="2400"/>
+            </a:p>
+          </p:txBody>
+        </p:sp>
+        <p:sp>
+          <p:nvSpPr>
+            <p:cNvPr id="39" name="Rectangle 38">
+              <a:extLst>
+                <a:ext uri="{FF2B5EF4-FFF2-40B4-BE49-F238E27FC236}">
+                  <a16:creationId xmlns:a16="http://schemas.microsoft.com/office/drawing/2014/main" id="{10DA01FF-7687-47D3-BB43-99ED6BD07F96}"/>
+                </a:ext>
+              </a:extLst>
+            </p:cNvPr>
+            <p:cNvSpPr/>
+            <p:nvPr/>
+          </p:nvSpPr>
+          <p:spPr>
+            <a:xfrm>
+              <a:off x="2997200" y="4191000"/>
+              <a:ext cx="673100" cy="711200"/>
+            </a:xfrm>
+            <a:prstGeom prst="rect">
+              <a:avLst/>
+            </a:prstGeom>
+            <a:noFill/>
+            <a:ln w="19050">
+              <a:solidFill>
+                <a:schemeClr val="tx1"/>
+              </a:solidFill>
+            </a:ln>
+          </p:spPr>
+          <p:style>
+            <a:lnRef idx="2">
+              <a:schemeClr val="accent1">
+                <a:shade val="50000"/>
+              </a:schemeClr>
+            </a:lnRef>
+            <a:fillRef idx="1">
+              <a:schemeClr val="accent1"/>
+            </a:fillRef>
+            <a:effectRef idx="0">
+              <a:schemeClr val="accent1"/>
+            </a:effectRef>
+            <a:fontRef idx="minor">
+              <a:schemeClr val="lt1"/>
+            </a:fontRef>
+          </p:style>
+          <p:txBody>
+            <a:bodyPr rtlCol="0" anchor="ctr"/>
+            <a:lstStyle/>
+            <a:p>
+              <a:pPr algn="ctr"/>
+              <a:endParaRPr lang="en-GB" sz="2400"/>
+            </a:p>
+          </p:txBody>
+        </p:sp>
+        <p:sp>
+          <p:nvSpPr>
+            <p:cNvPr id="40" name="Rectangle 39">
+              <a:extLst>
+                <a:ext uri="{FF2B5EF4-FFF2-40B4-BE49-F238E27FC236}">
+                  <a16:creationId xmlns:a16="http://schemas.microsoft.com/office/drawing/2014/main" id="{F3E9F844-DE66-4C10-8ED1-095C31B45155}"/>
+                </a:ext>
+              </a:extLst>
+            </p:cNvPr>
+            <p:cNvSpPr/>
+            <p:nvPr/>
+          </p:nvSpPr>
+          <p:spPr>
+            <a:xfrm>
+              <a:off x="3670300" y="4191000"/>
+              <a:ext cx="673100" cy="711200"/>
+            </a:xfrm>
+            <a:prstGeom prst="rect">
+              <a:avLst/>
+            </a:prstGeom>
+            <a:solidFill>
+              <a:srgbClr val="9DC3E6">
+                <a:alpha val="50980"/>
+              </a:srgbClr>
+            </a:solidFill>
+            <a:ln w="19050">
+              <a:solidFill>
+                <a:schemeClr val="tx1"/>
+              </a:solidFill>
+            </a:ln>
+          </p:spPr>
+          <p:style>
+            <a:lnRef idx="2">
+              <a:schemeClr val="accent1">
+                <a:shade val="50000"/>
+              </a:schemeClr>
+            </a:lnRef>
+            <a:fillRef idx="1">
+              <a:schemeClr val="accent1"/>
+            </a:fillRef>
+            <a:effectRef idx="0">
+              <a:schemeClr val="accent1"/>
+            </a:effectRef>
+            <a:fontRef idx="minor">
+              <a:schemeClr val="lt1"/>
+            </a:fontRef>
+          </p:style>
+          <p:txBody>
+            <a:bodyPr rtlCol="0" anchor="ctr"/>
+            <a:lstStyle/>
+            <a:p>
+              <a:pPr algn="ctr"/>
+              <a:endParaRPr lang="en-GB" sz="2400"/>
+            </a:p>
+          </p:txBody>
+        </p:sp>
+        <p:sp>
+          <p:nvSpPr>
+            <p:cNvPr id="41" name="Rectangle 40">
+              <a:extLst>
+                <a:ext uri="{FF2B5EF4-FFF2-40B4-BE49-F238E27FC236}">
+                  <a16:creationId xmlns:a16="http://schemas.microsoft.com/office/drawing/2014/main" id="{E1C12E37-2312-49A4-B22E-4DAF697F2665}"/>
+                </a:ext>
+              </a:extLst>
+            </p:cNvPr>
+            <p:cNvSpPr/>
+            <p:nvPr/>
+          </p:nvSpPr>
+          <p:spPr>
+            <a:xfrm>
+              <a:off x="4343400" y="4191000"/>
+              <a:ext cx="673100" cy="711200"/>
+            </a:xfrm>
+            <a:prstGeom prst="rect">
+              <a:avLst/>
+            </a:prstGeom>
+            <a:solidFill>
+              <a:srgbClr val="9DC3E6">
+                <a:alpha val="50980"/>
+              </a:srgbClr>
+            </a:solidFill>
+            <a:ln w="19050">
+              <a:solidFill>
+                <a:schemeClr val="tx1"/>
+              </a:solidFill>
+            </a:ln>
+          </p:spPr>
+          <p:style>
+            <a:lnRef idx="2">
+              <a:schemeClr val="accent1">
+                <a:shade val="50000"/>
+              </a:schemeClr>
+            </a:lnRef>
+            <a:fillRef idx="1">
+              <a:schemeClr val="accent1"/>
+            </a:fillRef>
+            <a:effectRef idx="0">
+              <a:schemeClr val="accent1"/>
+            </a:effectRef>
+            <a:fontRef idx="minor">
+              <a:schemeClr val="lt1"/>
+            </a:fontRef>
+          </p:style>
+          <p:txBody>
+            <a:bodyPr rtlCol="0" anchor="ctr"/>
+            <a:lstStyle/>
+            <a:p>
+              <a:pPr algn="ctr"/>
+              <a:endParaRPr lang="en-GB" sz="2400"/>
+            </a:p>
+          </p:txBody>
+        </p:sp>
+        <p:sp>
+          <p:nvSpPr>
+            <p:cNvPr id="43" name="Rectangle 42">
+              <a:extLst>
+                <a:ext uri="{FF2B5EF4-FFF2-40B4-BE49-F238E27FC236}">
+                  <a16:creationId xmlns:a16="http://schemas.microsoft.com/office/drawing/2014/main" id="{DA480BB6-E195-4FCC-A478-9B776D865991}"/>
+                </a:ext>
+              </a:extLst>
+            </p:cNvPr>
+            <p:cNvSpPr/>
+            <p:nvPr/>
+          </p:nvSpPr>
+          <p:spPr>
+            <a:xfrm>
+              <a:off x="977900" y="4902200"/>
+              <a:ext cx="673100" cy="711200"/>
+            </a:xfrm>
+            <a:prstGeom prst="rect">
+              <a:avLst/>
+            </a:prstGeom>
+            <a:solidFill>
+              <a:srgbClr val="CC99FF">
+                <a:alpha val="38824"/>
+              </a:srgbClr>
+            </a:solidFill>
+            <a:ln w="19050">
+              <a:solidFill>
+                <a:schemeClr val="tx1"/>
+              </a:solidFill>
+            </a:ln>
+          </p:spPr>
+          <p:style>
+            <a:lnRef idx="2">
+              <a:schemeClr val="accent1">
+                <a:shade val="50000"/>
+              </a:schemeClr>
+            </a:lnRef>
+            <a:fillRef idx="1">
+              <a:schemeClr val="accent1"/>
+            </a:fillRef>
+            <a:effectRef idx="0">
+              <a:schemeClr val="accent1"/>
+            </a:effectRef>
+            <a:fontRef idx="minor">
+              <a:schemeClr val="lt1"/>
+            </a:fontRef>
+          </p:style>
+          <p:txBody>
+            <a:bodyPr rtlCol="0" anchor="ctr"/>
+            <a:lstStyle/>
+            <a:p>
+              <a:pPr algn="ctr"/>
+              <a:endParaRPr lang="en-GB" sz="2400"/>
+            </a:p>
+          </p:txBody>
+        </p:sp>
+        <p:sp>
+          <p:nvSpPr>
+            <p:cNvPr id="44" name="Rectangle 43">
+              <a:extLst>
+                <a:ext uri="{FF2B5EF4-FFF2-40B4-BE49-F238E27FC236}">
+                  <a16:creationId xmlns:a16="http://schemas.microsoft.com/office/drawing/2014/main" id="{98793933-9F03-4606-A9EF-AB62477DAD96}"/>
+                </a:ext>
+              </a:extLst>
+            </p:cNvPr>
+            <p:cNvSpPr/>
+            <p:nvPr/>
+          </p:nvSpPr>
+          <p:spPr>
+            <a:xfrm>
+              <a:off x="1651000" y="4902200"/>
+              <a:ext cx="673100" cy="711200"/>
+            </a:xfrm>
+            <a:prstGeom prst="rect">
+              <a:avLst/>
+            </a:prstGeom>
+            <a:solidFill>
+              <a:srgbClr val="CC99FF">
+                <a:alpha val="38824"/>
+              </a:srgbClr>
+            </a:solidFill>
+            <a:ln w="19050">
+              <a:solidFill>
+                <a:schemeClr val="tx1"/>
+              </a:solidFill>
+            </a:ln>
+          </p:spPr>
+          <p:style>
+            <a:lnRef idx="2">
+              <a:schemeClr val="accent1">
+                <a:shade val="50000"/>
+              </a:schemeClr>
+            </a:lnRef>
+            <a:fillRef idx="1">
+              <a:schemeClr val="accent1"/>
+            </a:fillRef>
+            <a:effectRef idx="0">
+              <a:schemeClr val="accent1"/>
+            </a:effectRef>
+            <a:fontRef idx="minor">
+              <a:schemeClr val="lt1"/>
+            </a:fontRef>
+          </p:style>
+          <p:txBody>
+            <a:bodyPr rtlCol="0" anchor="ctr"/>
+            <a:lstStyle/>
+            <a:p>
+              <a:pPr algn="ctr"/>
+              <a:endParaRPr lang="en-GB" sz="2400"/>
+            </a:p>
+          </p:txBody>
+        </p:sp>
+        <p:sp>
+          <p:nvSpPr>
+            <p:cNvPr id="45" name="Rectangle 44">
+              <a:extLst>
+                <a:ext uri="{FF2B5EF4-FFF2-40B4-BE49-F238E27FC236}">
+                  <a16:creationId xmlns:a16="http://schemas.microsoft.com/office/drawing/2014/main" id="{3E17B083-BA01-4D2D-BA33-A39A9BE7029E}"/>
+                </a:ext>
+              </a:extLst>
+            </p:cNvPr>
+            <p:cNvSpPr/>
+            <p:nvPr/>
+          </p:nvSpPr>
+          <p:spPr>
+            <a:xfrm>
+              <a:off x="2324100" y="4902200"/>
+              <a:ext cx="673100" cy="711200"/>
+            </a:xfrm>
+            <a:prstGeom prst="rect">
+              <a:avLst/>
+            </a:prstGeom>
+            <a:solidFill>
+              <a:srgbClr val="BF9000">
+                <a:alpha val="50980"/>
+              </a:srgbClr>
+            </a:solidFill>
+            <a:ln w="19050">
+              <a:solidFill>
+                <a:schemeClr val="tx1"/>
+              </a:solidFill>
+            </a:ln>
+          </p:spPr>
+          <p:style>
+            <a:lnRef idx="2">
+              <a:schemeClr val="accent1">
+                <a:shade val="50000"/>
+              </a:schemeClr>
+            </a:lnRef>
+            <a:fillRef idx="1">
+              <a:schemeClr val="accent1"/>
+            </a:fillRef>
+            <a:effectRef idx="0">
+              <a:schemeClr val="accent1"/>
+            </a:effectRef>
+            <a:fontRef idx="minor">
+              <a:schemeClr val="lt1"/>
+            </a:fontRef>
+          </p:style>
+          <p:txBody>
+            <a:bodyPr rtlCol="0" anchor="ctr"/>
+            <a:lstStyle/>
+            <a:p>
+              <a:pPr algn="ctr"/>
+              <a:endParaRPr lang="en-GB" sz="2400"/>
+            </a:p>
+          </p:txBody>
+        </p:sp>
+        <p:sp>
+          <p:nvSpPr>
+            <p:cNvPr id="46" name="Rectangle 45">
+              <a:extLst>
+                <a:ext uri="{FF2B5EF4-FFF2-40B4-BE49-F238E27FC236}">
+                  <a16:creationId xmlns:a16="http://schemas.microsoft.com/office/drawing/2014/main" id="{59825A93-FFD8-4729-939F-A086A625A10E}"/>
+                </a:ext>
+              </a:extLst>
+            </p:cNvPr>
+            <p:cNvSpPr/>
+            <p:nvPr/>
+          </p:nvSpPr>
+          <p:spPr>
+            <a:xfrm>
+              <a:off x="2997200" y="4902200"/>
+              <a:ext cx="673100" cy="711200"/>
+            </a:xfrm>
+            <a:prstGeom prst="rect">
+              <a:avLst/>
+            </a:prstGeom>
+            <a:solidFill>
+              <a:srgbClr val="BF9000">
+                <a:alpha val="50980"/>
+              </a:srgbClr>
+            </a:solidFill>
+            <a:ln w="19050">
+              <a:solidFill>
+                <a:schemeClr val="tx1"/>
+              </a:solidFill>
+            </a:ln>
+          </p:spPr>
+          <p:style>
+            <a:lnRef idx="2">
+              <a:schemeClr val="accent1">
+                <a:shade val="50000"/>
+              </a:schemeClr>
+            </a:lnRef>
+            <a:fillRef idx="1">
+              <a:schemeClr val="accent1"/>
+            </a:fillRef>
+            <a:effectRef idx="0">
+              <a:schemeClr val="accent1"/>
+            </a:effectRef>
+            <a:fontRef idx="minor">
+              <a:schemeClr val="lt1"/>
+            </a:fontRef>
+          </p:style>
+          <p:txBody>
+            <a:bodyPr rtlCol="0" anchor="ctr"/>
+            <a:lstStyle/>
+            <a:p>
+              <a:pPr algn="ctr"/>
+              <a:endParaRPr lang="en-GB" sz="2400"/>
+            </a:p>
+          </p:txBody>
+        </p:sp>
+        <p:sp>
+          <p:nvSpPr>
+            <p:cNvPr id="47" name="Rectangle 46">
+              <a:extLst>
+                <a:ext uri="{FF2B5EF4-FFF2-40B4-BE49-F238E27FC236}">
+                  <a16:creationId xmlns:a16="http://schemas.microsoft.com/office/drawing/2014/main" id="{41394415-FC33-4023-B9C8-779A78ADB494}"/>
+                </a:ext>
+              </a:extLst>
+            </p:cNvPr>
+            <p:cNvSpPr/>
+            <p:nvPr/>
+          </p:nvSpPr>
+          <p:spPr>
+            <a:xfrm>
+              <a:off x="3670300" y="4902200"/>
+              <a:ext cx="673100" cy="711200"/>
+            </a:xfrm>
+            <a:prstGeom prst="rect">
+              <a:avLst/>
+            </a:prstGeom>
+            <a:solidFill>
+              <a:srgbClr val="9DC3E6">
+                <a:alpha val="50980"/>
+              </a:srgbClr>
+            </a:solidFill>
+            <a:ln w="19050">
+              <a:solidFill>
+                <a:schemeClr val="tx1"/>
+              </a:solidFill>
+            </a:ln>
+          </p:spPr>
+          <p:style>
+            <a:lnRef idx="2">
+              <a:schemeClr val="accent1">
+                <a:shade val="50000"/>
+              </a:schemeClr>
+            </a:lnRef>
+            <a:fillRef idx="1">
+              <a:schemeClr val="accent1"/>
+            </a:fillRef>
+            <a:effectRef idx="0">
+              <a:schemeClr val="accent1"/>
+            </a:effectRef>
+            <a:fontRef idx="minor">
+              <a:schemeClr val="lt1"/>
+            </a:fontRef>
+          </p:style>
+          <p:txBody>
+            <a:bodyPr rtlCol="0" anchor="ctr"/>
+            <a:lstStyle/>
+            <a:p>
+              <a:pPr algn="ctr"/>
+              <a:endParaRPr lang="en-GB" sz="2400"/>
+            </a:p>
+          </p:txBody>
+        </p:sp>
+        <p:sp>
+          <p:nvSpPr>
+            <p:cNvPr id="48" name="Rectangle 47">
+              <a:extLst>
+                <a:ext uri="{FF2B5EF4-FFF2-40B4-BE49-F238E27FC236}">
+                  <a16:creationId xmlns:a16="http://schemas.microsoft.com/office/drawing/2014/main" id="{EC60E76E-AD19-4BA0-A971-BA52EE5BA38D}"/>
+                </a:ext>
+              </a:extLst>
+            </p:cNvPr>
+            <p:cNvSpPr/>
+            <p:nvPr/>
+          </p:nvSpPr>
+          <p:spPr>
+            <a:xfrm>
+              <a:off x="4343400" y="4902200"/>
+              <a:ext cx="673100" cy="711200"/>
+            </a:xfrm>
+            <a:prstGeom prst="rect">
+              <a:avLst/>
+            </a:prstGeom>
+            <a:solidFill>
+              <a:srgbClr val="9DC3E6">
+                <a:alpha val="50980"/>
+              </a:srgbClr>
+            </a:solidFill>
+            <a:ln w="19050">
+              <a:solidFill>
+                <a:schemeClr val="tx1"/>
+              </a:solidFill>
+            </a:ln>
+          </p:spPr>
+          <p:style>
+            <a:lnRef idx="2">
+              <a:schemeClr val="accent1">
+                <a:shade val="50000"/>
+              </a:schemeClr>
+            </a:lnRef>
+            <a:fillRef idx="1">
+              <a:schemeClr val="accent1"/>
+            </a:fillRef>
+            <a:effectRef idx="0">
+              <a:schemeClr val="accent1"/>
+            </a:effectRef>
+            <a:fontRef idx="minor">
+              <a:schemeClr val="lt1"/>
+            </a:fontRef>
+          </p:style>
+          <p:txBody>
+            <a:bodyPr rtlCol="0" anchor="ctr"/>
+            <a:lstStyle/>
+            <a:p>
+              <a:pPr algn="ctr"/>
+              <a:endParaRPr lang="en-GB" sz="2400"/>
+            </a:p>
+          </p:txBody>
+        </p:sp>
+        <p:sp>
+          <p:nvSpPr>
+            <p:cNvPr id="50" name="Rectangle 49">
+              <a:extLst>
+                <a:ext uri="{FF2B5EF4-FFF2-40B4-BE49-F238E27FC236}">
+                  <a16:creationId xmlns:a16="http://schemas.microsoft.com/office/drawing/2014/main" id="{14A3AA9D-CEAD-44F2-A3A4-06B6D3C61965}"/>
+                </a:ext>
+              </a:extLst>
+            </p:cNvPr>
+            <p:cNvSpPr/>
+            <p:nvPr/>
+          </p:nvSpPr>
+          <p:spPr>
+            <a:xfrm>
+              <a:off x="977900" y="5613400"/>
+              <a:ext cx="673100" cy="711200"/>
+            </a:xfrm>
+            <a:prstGeom prst="rect">
+              <a:avLst/>
+            </a:prstGeom>
+            <a:solidFill>
+              <a:srgbClr val="CC99FF">
+                <a:alpha val="38824"/>
+              </a:srgbClr>
+            </a:solidFill>
+            <a:ln w="19050">
+              <a:solidFill>
+                <a:schemeClr val="tx1"/>
+              </a:solidFill>
+            </a:ln>
+          </p:spPr>
+          <p:style>
+            <a:lnRef idx="2">
+              <a:schemeClr val="accent1">
+                <a:shade val="50000"/>
+              </a:schemeClr>
+            </a:lnRef>
+            <a:fillRef idx="1">
+              <a:schemeClr val="accent1"/>
+            </a:fillRef>
+            <a:effectRef idx="0">
+              <a:schemeClr val="accent1"/>
+            </a:effectRef>
+            <a:fontRef idx="minor">
+              <a:schemeClr val="lt1"/>
+            </a:fontRef>
+          </p:style>
+          <p:txBody>
+            <a:bodyPr rtlCol="0" anchor="ctr"/>
+            <a:lstStyle/>
+            <a:p>
+              <a:pPr algn="ctr"/>
+              <a:endParaRPr lang="en-GB" sz="2400"/>
+            </a:p>
+          </p:txBody>
+        </p:sp>
+        <p:sp>
+          <p:nvSpPr>
+            <p:cNvPr id="51" name="Rectangle 50">
+              <a:extLst>
+                <a:ext uri="{FF2B5EF4-FFF2-40B4-BE49-F238E27FC236}">
+                  <a16:creationId xmlns:a16="http://schemas.microsoft.com/office/drawing/2014/main" id="{4F9D426D-D5B1-4622-857C-435CE3CEDF15}"/>
+                </a:ext>
+              </a:extLst>
+            </p:cNvPr>
+            <p:cNvSpPr/>
+            <p:nvPr/>
+          </p:nvSpPr>
+          <p:spPr>
+            <a:xfrm>
+              <a:off x="1651000" y="5613400"/>
+              <a:ext cx="673100" cy="711200"/>
+            </a:xfrm>
+            <a:prstGeom prst="rect">
+              <a:avLst/>
+            </a:prstGeom>
+            <a:solidFill>
+              <a:srgbClr val="CC99FF">
+                <a:alpha val="38824"/>
+              </a:srgbClr>
+            </a:solidFill>
+            <a:ln w="19050">
+              <a:solidFill>
+                <a:schemeClr val="tx1"/>
+              </a:solidFill>
+            </a:ln>
+          </p:spPr>
+          <p:style>
+            <a:lnRef idx="2">
+              <a:schemeClr val="accent1">
+                <a:shade val="50000"/>
+              </a:schemeClr>
+            </a:lnRef>
+            <a:fillRef idx="1">
+              <a:schemeClr val="accent1"/>
+            </a:fillRef>
+            <a:effectRef idx="0">
+              <a:schemeClr val="accent1"/>
+            </a:effectRef>
+            <a:fontRef idx="minor">
+              <a:schemeClr val="lt1"/>
+            </a:fontRef>
+          </p:style>
+          <p:txBody>
+            <a:bodyPr rtlCol="0" anchor="ctr"/>
+            <a:lstStyle/>
+            <a:p>
+              <a:pPr algn="ctr"/>
+              <a:endParaRPr lang="en-GB" sz="2400"/>
+            </a:p>
+          </p:txBody>
+        </p:sp>
+        <p:sp>
+          <p:nvSpPr>
+            <p:cNvPr id="52" name="Rectangle 51">
+              <a:extLst>
+                <a:ext uri="{FF2B5EF4-FFF2-40B4-BE49-F238E27FC236}">
+                  <a16:creationId xmlns:a16="http://schemas.microsoft.com/office/drawing/2014/main" id="{BC4385C9-E94A-4F3F-A57E-7B45AED9A459}"/>
+                </a:ext>
+              </a:extLst>
+            </p:cNvPr>
+            <p:cNvSpPr/>
+            <p:nvPr/>
+          </p:nvSpPr>
+          <p:spPr>
+            <a:xfrm>
+              <a:off x="2324100" y="5613400"/>
+              <a:ext cx="673100" cy="711200"/>
+            </a:xfrm>
+            <a:prstGeom prst="rect">
+              <a:avLst/>
+            </a:prstGeom>
+            <a:solidFill>
+              <a:srgbClr val="BF9000">
+                <a:alpha val="50980"/>
+              </a:srgbClr>
+            </a:solidFill>
+            <a:ln w="19050">
+              <a:solidFill>
+                <a:schemeClr val="tx1"/>
+              </a:solidFill>
+            </a:ln>
+          </p:spPr>
+          <p:style>
+            <a:lnRef idx="2">
+              <a:schemeClr val="accent1">
+                <a:shade val="50000"/>
+              </a:schemeClr>
+            </a:lnRef>
+            <a:fillRef idx="1">
+              <a:schemeClr val="accent1"/>
+            </a:fillRef>
+            <a:effectRef idx="0">
+              <a:schemeClr val="accent1"/>
+            </a:effectRef>
+            <a:fontRef idx="minor">
+              <a:schemeClr val="lt1"/>
+            </a:fontRef>
+          </p:style>
+          <p:txBody>
+            <a:bodyPr rtlCol="0" anchor="ctr"/>
+            <a:lstStyle/>
+            <a:p>
+              <a:pPr algn="ctr"/>
+              <a:endParaRPr lang="en-GB" sz="2400"/>
+            </a:p>
+          </p:txBody>
+        </p:sp>
+        <p:sp>
+          <p:nvSpPr>
+            <p:cNvPr id="53" name="Rectangle 52">
+              <a:extLst>
+                <a:ext uri="{FF2B5EF4-FFF2-40B4-BE49-F238E27FC236}">
+                  <a16:creationId xmlns:a16="http://schemas.microsoft.com/office/drawing/2014/main" id="{23F5BFC3-5B73-4AF5-9102-7A6D9AAD71FA}"/>
+                </a:ext>
+              </a:extLst>
+            </p:cNvPr>
+            <p:cNvSpPr/>
+            <p:nvPr/>
+          </p:nvSpPr>
+          <p:spPr>
+            <a:xfrm>
+              <a:off x="2997200" y="5613400"/>
+              <a:ext cx="673100" cy="711200"/>
+            </a:xfrm>
+            <a:prstGeom prst="rect">
+              <a:avLst/>
+            </a:prstGeom>
+            <a:solidFill>
+              <a:srgbClr val="BF9000">
+                <a:alpha val="50980"/>
+              </a:srgbClr>
+            </a:solidFill>
+            <a:ln w="19050">
+              <a:solidFill>
+                <a:schemeClr val="tx1"/>
+              </a:solidFill>
+            </a:ln>
+          </p:spPr>
+          <p:style>
+            <a:lnRef idx="2">
+              <a:schemeClr val="accent1">
+                <a:shade val="50000"/>
+              </a:schemeClr>
+            </a:lnRef>
+            <a:fillRef idx="1">
+              <a:schemeClr val="accent1"/>
+            </a:fillRef>
+            <a:effectRef idx="0">
+              <a:schemeClr val="accent1"/>
+            </a:effectRef>
+            <a:fontRef idx="minor">
+              <a:schemeClr val="lt1"/>
+            </a:fontRef>
+          </p:style>
+          <p:txBody>
+            <a:bodyPr rtlCol="0" anchor="ctr"/>
+            <a:lstStyle/>
+            <a:p>
+              <a:pPr algn="ctr"/>
+              <a:endParaRPr lang="en-GB" sz="2400"/>
+            </a:p>
+          </p:txBody>
+        </p:sp>
+        <p:sp>
+          <p:nvSpPr>
+            <p:cNvPr id="54" name="Rectangle 53">
+              <a:extLst>
+                <a:ext uri="{FF2B5EF4-FFF2-40B4-BE49-F238E27FC236}">
+                  <a16:creationId xmlns:a16="http://schemas.microsoft.com/office/drawing/2014/main" id="{919FFD21-7C1A-4E43-B153-6E08F7D6C3C4}"/>
+                </a:ext>
+              </a:extLst>
+            </p:cNvPr>
+            <p:cNvSpPr/>
+            <p:nvPr/>
+          </p:nvSpPr>
+          <p:spPr>
+            <a:xfrm>
+              <a:off x="3670300" y="5613400"/>
+              <a:ext cx="673100" cy="711200"/>
+            </a:xfrm>
+            <a:prstGeom prst="rect">
+              <a:avLst/>
+            </a:prstGeom>
+            <a:solidFill>
+              <a:srgbClr val="9DC3E6">
+                <a:alpha val="50980"/>
+              </a:srgbClr>
+            </a:solidFill>
+            <a:ln w="19050">
+              <a:solidFill>
+                <a:schemeClr val="tx1"/>
+              </a:solidFill>
+            </a:ln>
+          </p:spPr>
+          <p:style>
+            <a:lnRef idx="2">
+              <a:schemeClr val="accent1">
+                <a:shade val="50000"/>
+              </a:schemeClr>
+            </a:lnRef>
+            <a:fillRef idx="1">
+              <a:schemeClr val="accent1"/>
+            </a:fillRef>
+            <a:effectRef idx="0">
+              <a:schemeClr val="accent1"/>
+            </a:effectRef>
+            <a:fontRef idx="minor">
+              <a:schemeClr val="lt1"/>
+            </a:fontRef>
+          </p:style>
+          <p:txBody>
+            <a:bodyPr rtlCol="0" anchor="ctr"/>
+            <a:lstStyle/>
+            <a:p>
+              <a:pPr algn="ctr"/>
+              <a:endParaRPr lang="en-GB" sz="2400"/>
+            </a:p>
+          </p:txBody>
+        </p:sp>
+        <p:sp>
+          <p:nvSpPr>
+            <p:cNvPr id="55" name="Rectangle 54">
+              <a:extLst>
+                <a:ext uri="{FF2B5EF4-FFF2-40B4-BE49-F238E27FC236}">
+                  <a16:creationId xmlns:a16="http://schemas.microsoft.com/office/drawing/2014/main" id="{48B2ED9B-6BB6-4E16-98BC-C19D7AD5D13F}"/>
+                </a:ext>
+              </a:extLst>
+            </p:cNvPr>
+            <p:cNvSpPr/>
+            <p:nvPr/>
+          </p:nvSpPr>
+          <p:spPr>
+            <a:xfrm>
+              <a:off x="4343400" y="5613400"/>
+              <a:ext cx="673100" cy="711200"/>
+            </a:xfrm>
+            <a:prstGeom prst="rect">
+              <a:avLst/>
+            </a:prstGeom>
+            <a:solidFill>
+              <a:srgbClr val="9DC3E6">
+                <a:alpha val="50980"/>
+              </a:srgbClr>
+            </a:solidFill>
+            <a:ln w="19050">
+              <a:solidFill>
+                <a:schemeClr val="tx1"/>
+              </a:solidFill>
+            </a:ln>
+          </p:spPr>
+          <p:style>
+            <a:lnRef idx="2">
+              <a:schemeClr val="accent1">
+                <a:shade val="50000"/>
+              </a:schemeClr>
+            </a:lnRef>
+            <a:fillRef idx="1">
+              <a:schemeClr val="accent1"/>
+            </a:fillRef>
+            <a:effectRef idx="0">
+              <a:schemeClr val="accent1"/>
+            </a:effectRef>
+            <a:fontRef idx="minor">
+              <a:schemeClr val="lt1"/>
+            </a:fontRef>
+          </p:style>
+          <p:txBody>
+            <a:bodyPr rtlCol="0" anchor="ctr"/>
+            <a:lstStyle/>
+            <a:p>
+              <a:pPr algn="ctr"/>
+              <a:endParaRPr lang="en-GB" sz="2400"/>
+            </a:p>
+          </p:txBody>
+        </p:sp>
+      </p:grpSp>
+      <p:pic>
+        <p:nvPicPr>
+          <p:cNvPr id="58" name="Picture 57" descr="A person throwing a frisbee to a child&#10;&#10;Description automatically generated with medium confidence">
+            <a:extLst>
+              <a:ext uri="{FF2B5EF4-FFF2-40B4-BE49-F238E27FC236}">
+                <a16:creationId xmlns:a16="http://schemas.microsoft.com/office/drawing/2014/main" id="{75492A39-84C0-43D1-BA01-EBE784A42FC4}"/>
+              </a:ext>
+            </a:extLst>
+          </p:cNvPr>
+          <p:cNvPicPr>
+            <a:picLocks noChangeAspect="1"/>
+          </p:cNvPicPr>
+          <p:nvPr/>
+        </p:nvPicPr>
+        <p:blipFill>
+          <a:blip r:embed="rId2">
+            <a:extLst>
+              <a:ext uri="{28A0092B-C50C-407E-A947-70E740481C1C}">
+                <a14:useLocalDpi xmlns:a14="http://schemas.microsoft.com/office/drawing/2010/main" val="0"/>
+              </a:ext>
+            </a:extLst>
+          </a:blip>
+          <a:stretch>
+            <a:fillRect/>
+          </a:stretch>
+        </p:blipFill>
+        <p:spPr>
+          <a:xfrm>
+            <a:off x="1330239" y="2931250"/>
+            <a:ext cx="4344207" cy="4397576"/>
+          </a:xfrm>
+          <a:prstGeom prst="rect">
+            <a:avLst/>
+          </a:prstGeom>
+        </p:spPr>
+      </p:pic>
+      <p:sp>
+        <p:nvSpPr>
+          <p:cNvPr id="59" name="Rectangle 58">
+            <a:extLst>
+              <a:ext uri="{FF2B5EF4-FFF2-40B4-BE49-F238E27FC236}">
+                <a16:creationId xmlns:a16="http://schemas.microsoft.com/office/drawing/2014/main" id="{1EA80C17-082F-4986-9578-F7D50D6962C8}"/>
+              </a:ext>
+            </a:extLst>
+          </p:cNvPr>
+          <p:cNvSpPr/>
+          <p:nvPr/>
+        </p:nvSpPr>
+        <p:spPr>
+          <a:xfrm>
+            <a:off x="6791176" y="1683832"/>
+            <a:ext cx="1862623" cy="7497025"/>
+          </a:xfrm>
+          <a:prstGeom prst="rect">
+            <a:avLst/>
+          </a:prstGeom>
+          <a:noFill/>
+          <a:ln w="19050">
+            <a:solidFill>
+              <a:schemeClr val="tx1"/>
+            </a:solidFill>
+          </a:ln>
+        </p:spPr>
+        <p:style>
+          <a:lnRef idx="2">
+            <a:schemeClr val="accent1">
+              <a:shade val="50000"/>
+            </a:schemeClr>
+          </a:lnRef>
+          <a:fillRef idx="1">
+            <a:schemeClr val="accent1"/>
+          </a:fillRef>
+          <a:effectRef idx="0">
+            <a:schemeClr val="accent1"/>
+          </a:effectRef>
+          <a:fontRef idx="minor">
+            <a:schemeClr val="lt1"/>
+          </a:fontRef>
+        </p:style>
+        <p:txBody>
+          <a:bodyPr rtlCol="0" anchor="ctr"/>
+          <a:lstStyle/>
+          <a:p>
+            <a:pPr algn="ctr"/>
+            <a:endParaRPr lang="en-GB" sz="2400" dirty="0"/>
+          </a:p>
+        </p:txBody>
+      </p:sp>
+      <p:sp>
+        <p:nvSpPr>
+          <p:cNvPr id="60" name="TextBox 59">
+            <a:extLst>
+              <a:ext uri="{FF2B5EF4-FFF2-40B4-BE49-F238E27FC236}">
+                <a16:creationId xmlns:a16="http://schemas.microsoft.com/office/drawing/2014/main" id="{6A4C84DF-CF1A-42C7-BD56-D335B58057A2}"/>
+              </a:ext>
+            </a:extLst>
+          </p:cNvPr>
+          <p:cNvSpPr txBox="1"/>
+          <p:nvPr/>
+        </p:nvSpPr>
+        <p:spPr>
+          <a:xfrm>
+            <a:off x="4645048" y="10465258"/>
+            <a:ext cx="6002462" cy="1077218"/>
+          </a:xfrm>
+          <a:prstGeom prst="rect">
+            <a:avLst/>
+          </a:prstGeom>
+          <a:noFill/>
+        </p:spPr>
+        <p:txBody>
+          <a:bodyPr wrap="square" rtlCol="0">
+            <a:spAutoFit/>
+          </a:bodyPr>
+          <a:lstStyle/>
+          <a:p>
+            <a:pPr algn="ctr"/>
+            <a:r>
+              <a:rPr lang="en-US" sz="3200" dirty="0"/>
+              <a:t>CNN Network – acts as a feature extractor for the input image </a:t>
+            </a:r>
+            <a:endParaRPr lang="en-GB" sz="3200" dirty="0"/>
+          </a:p>
+        </p:txBody>
+      </p:sp>
+      <p:sp>
+        <p:nvSpPr>
+          <p:cNvPr id="61" name="TextBox 60">
+            <a:extLst>
+              <a:ext uri="{FF2B5EF4-FFF2-40B4-BE49-F238E27FC236}">
+                <a16:creationId xmlns:a16="http://schemas.microsoft.com/office/drawing/2014/main" id="{848BF49D-73FF-42D4-8AF0-AB3C5FDA05D2}"/>
+              </a:ext>
+            </a:extLst>
+          </p:cNvPr>
+          <p:cNvSpPr txBox="1"/>
+          <p:nvPr/>
+        </p:nvSpPr>
+        <p:spPr>
+          <a:xfrm>
+            <a:off x="11823557" y="10253278"/>
+            <a:ext cx="8360608" cy="2062103"/>
+          </a:xfrm>
+          <a:prstGeom prst="rect">
+            <a:avLst/>
+          </a:prstGeom>
+          <a:noFill/>
+        </p:spPr>
+        <p:txBody>
+          <a:bodyPr wrap="square" rtlCol="0">
+            <a:spAutoFit/>
+          </a:bodyPr>
+          <a:lstStyle/>
+          <a:p>
+            <a:pPr algn="ctr"/>
+            <a:r>
+              <a:rPr lang="en-US" sz="3200" dirty="0"/>
+              <a:t>An example feature map of shape 7 x 6 values</a:t>
+            </a:r>
+          </a:p>
+          <a:p>
+            <a:pPr algn="ctr"/>
+            <a:r>
+              <a:rPr lang="en-US" sz="3200" dirty="0"/>
+              <a:t>Each value gives information about a spatial feature in the image, some hypothetical examples are highlighted</a:t>
+            </a:r>
+            <a:endParaRPr lang="en-GB" sz="3200" dirty="0"/>
+          </a:p>
+        </p:txBody>
+      </p:sp>
+      <p:sp>
+        <p:nvSpPr>
+          <p:cNvPr id="57" name="TextBox 56">
+            <a:extLst>
+              <a:ext uri="{FF2B5EF4-FFF2-40B4-BE49-F238E27FC236}">
+                <a16:creationId xmlns:a16="http://schemas.microsoft.com/office/drawing/2014/main" id="{7E35A2DA-1F2C-4223-885B-7FAD3926C22A}"/>
+              </a:ext>
+            </a:extLst>
+          </p:cNvPr>
+          <p:cNvSpPr txBox="1"/>
+          <p:nvPr/>
+        </p:nvSpPr>
+        <p:spPr>
+          <a:xfrm>
+            <a:off x="9970061" y="2999836"/>
+            <a:ext cx="2822534" cy="523220"/>
+          </a:xfrm>
+          <a:prstGeom prst="rect">
+            <a:avLst/>
+          </a:prstGeom>
+          <a:noFill/>
+        </p:spPr>
+        <p:txBody>
+          <a:bodyPr wrap="square" rtlCol="0">
+            <a:spAutoFit/>
+          </a:bodyPr>
+          <a:lstStyle/>
+          <a:p>
+            <a:r>
+              <a:rPr lang="en-US" sz="2800" dirty="0">
+                <a:latin typeface="Consolas" panose="020B0609020204030204" pitchFamily="49" charset="0"/>
+              </a:rPr>
+              <a:t>Frisbee</a:t>
+            </a:r>
+            <a:endParaRPr lang="en-GB" sz="2800" dirty="0">
+              <a:latin typeface="Consolas" panose="020B0609020204030204" pitchFamily="49" charset="0"/>
+            </a:endParaRPr>
+          </a:p>
+        </p:txBody>
+      </p:sp>
+      <p:sp>
+        <p:nvSpPr>
+          <p:cNvPr id="62" name="TextBox 61">
+            <a:extLst>
+              <a:ext uri="{FF2B5EF4-FFF2-40B4-BE49-F238E27FC236}">
+                <a16:creationId xmlns:a16="http://schemas.microsoft.com/office/drawing/2014/main" id="{23B96649-2479-4F2C-A183-9069F3D494A3}"/>
+              </a:ext>
+            </a:extLst>
+          </p:cNvPr>
+          <p:cNvSpPr txBox="1"/>
+          <p:nvPr/>
+        </p:nvSpPr>
+        <p:spPr>
+          <a:xfrm>
+            <a:off x="10245803" y="6342713"/>
+            <a:ext cx="2822534" cy="523220"/>
+          </a:xfrm>
+          <a:prstGeom prst="rect">
+            <a:avLst/>
+          </a:prstGeom>
+          <a:noFill/>
+        </p:spPr>
+        <p:txBody>
+          <a:bodyPr wrap="square" rtlCol="0">
+            <a:spAutoFit/>
+          </a:bodyPr>
+          <a:lstStyle/>
+          <a:p>
+            <a:r>
+              <a:rPr lang="en-US" sz="2800" dirty="0">
+                <a:latin typeface="Consolas" panose="020B0609020204030204" pitchFamily="49" charset="0"/>
+              </a:rPr>
+              <a:t>Woman</a:t>
+            </a:r>
+            <a:endParaRPr lang="en-GB" sz="2800" dirty="0">
+              <a:latin typeface="Consolas" panose="020B0609020204030204" pitchFamily="49" charset="0"/>
+            </a:endParaRPr>
+          </a:p>
+        </p:txBody>
+      </p:sp>
+      <p:sp>
+        <p:nvSpPr>
+          <p:cNvPr id="2" name="Left Brace 1">
+            <a:extLst>
+              <a:ext uri="{FF2B5EF4-FFF2-40B4-BE49-F238E27FC236}">
+                <a16:creationId xmlns:a16="http://schemas.microsoft.com/office/drawing/2014/main" id="{584C3EDA-F1D8-47F6-83DD-0A344D62B801}"/>
+              </a:ext>
+            </a:extLst>
+          </p:cNvPr>
+          <p:cNvSpPr/>
+          <p:nvPr/>
+        </p:nvSpPr>
+        <p:spPr>
+          <a:xfrm>
+            <a:off x="11761967" y="2541611"/>
+            <a:ext cx="467549" cy="1562594"/>
+          </a:xfrm>
+          <a:prstGeom prst="leftBrace">
+            <a:avLst/>
+          </a:prstGeom>
+        </p:spPr>
+        <p:style>
+          <a:lnRef idx="1">
+            <a:schemeClr val="dk1"/>
+          </a:lnRef>
+          <a:fillRef idx="0">
+            <a:schemeClr val="dk1"/>
+          </a:fillRef>
+          <a:effectRef idx="0">
+            <a:schemeClr val="dk1"/>
+          </a:effectRef>
+          <a:fontRef idx="minor">
+            <a:schemeClr val="tx1"/>
+          </a:fontRef>
+        </p:style>
+        <p:txBody>
+          <a:bodyPr rtlCol="0" anchor="ctr"/>
+          <a:lstStyle/>
+          <a:p>
+            <a:pPr algn="ctr"/>
+            <a:endParaRPr lang="en-GB" sz="2400"/>
+          </a:p>
+        </p:txBody>
+      </p:sp>
+      <p:sp>
+        <p:nvSpPr>
+          <p:cNvPr id="63" name="Left Brace 62">
+            <a:extLst>
+              <a:ext uri="{FF2B5EF4-FFF2-40B4-BE49-F238E27FC236}">
+                <a16:creationId xmlns:a16="http://schemas.microsoft.com/office/drawing/2014/main" id="{E2D9CFE1-E88A-4BFB-B078-CDC4D4F7102E}"/>
+              </a:ext>
+            </a:extLst>
+          </p:cNvPr>
+          <p:cNvSpPr/>
+          <p:nvPr/>
+        </p:nvSpPr>
+        <p:spPr>
+          <a:xfrm>
+            <a:off x="11736587" y="4724018"/>
+            <a:ext cx="467550" cy="3797105"/>
+          </a:xfrm>
+          <a:prstGeom prst="leftBrace">
+            <a:avLst/>
+          </a:prstGeom>
+        </p:spPr>
+        <p:style>
+          <a:lnRef idx="1">
+            <a:schemeClr val="dk1"/>
+          </a:lnRef>
+          <a:fillRef idx="0">
+            <a:schemeClr val="dk1"/>
+          </a:fillRef>
+          <a:effectRef idx="0">
+            <a:schemeClr val="dk1"/>
+          </a:effectRef>
+          <a:fontRef idx="minor">
+            <a:schemeClr val="tx1"/>
+          </a:fontRef>
+        </p:style>
+        <p:txBody>
+          <a:bodyPr rtlCol="0" anchor="ctr"/>
+          <a:lstStyle/>
+          <a:p>
+            <a:pPr algn="ctr"/>
+            <a:endParaRPr lang="en-GB" sz="2400"/>
+          </a:p>
+        </p:txBody>
+      </p:sp>
+      <p:sp>
+        <p:nvSpPr>
+          <p:cNvPr id="69" name="Left Brace 68">
+            <a:extLst>
+              <a:ext uri="{FF2B5EF4-FFF2-40B4-BE49-F238E27FC236}">
+                <a16:creationId xmlns:a16="http://schemas.microsoft.com/office/drawing/2014/main" id="{EDC5C811-F8FD-4CAB-86E1-A66462D6259B}"/>
+              </a:ext>
+            </a:extLst>
+          </p:cNvPr>
+          <p:cNvSpPr/>
+          <p:nvPr/>
+        </p:nvSpPr>
+        <p:spPr>
+          <a:xfrm flipH="1">
+            <a:off x="18913610" y="5472977"/>
+            <a:ext cx="437911" cy="3180704"/>
+          </a:xfrm>
+          <a:prstGeom prst="leftBrace">
+            <a:avLst/>
+          </a:prstGeom>
+        </p:spPr>
+        <p:style>
+          <a:lnRef idx="1">
+            <a:schemeClr val="dk1"/>
+          </a:lnRef>
+          <a:fillRef idx="0">
+            <a:schemeClr val="dk1"/>
+          </a:fillRef>
+          <a:effectRef idx="0">
+            <a:schemeClr val="dk1"/>
+          </a:effectRef>
+          <a:fontRef idx="minor">
+            <a:schemeClr val="tx1"/>
+          </a:fontRef>
+        </p:style>
+        <p:txBody>
+          <a:bodyPr rtlCol="0" anchor="ctr"/>
+          <a:lstStyle/>
+          <a:p>
+            <a:pPr algn="ctr"/>
+            <a:endParaRPr lang="en-GB" sz="2400"/>
+          </a:p>
+        </p:txBody>
+      </p:sp>
+      <p:sp>
+        <p:nvSpPr>
+          <p:cNvPr id="70" name="Left Brace 69">
+            <a:extLst>
+              <a:ext uri="{FF2B5EF4-FFF2-40B4-BE49-F238E27FC236}">
+                <a16:creationId xmlns:a16="http://schemas.microsoft.com/office/drawing/2014/main" id="{66394E74-75BE-4754-95E7-F109BEDC8987}"/>
+              </a:ext>
+            </a:extLst>
+          </p:cNvPr>
+          <p:cNvSpPr/>
+          <p:nvPr/>
+        </p:nvSpPr>
+        <p:spPr>
+          <a:xfrm flipH="1">
+            <a:off x="18910683" y="1296872"/>
+            <a:ext cx="437911" cy="2985568"/>
+          </a:xfrm>
+          <a:prstGeom prst="leftBrace">
+            <a:avLst/>
+          </a:prstGeom>
+        </p:spPr>
+        <p:style>
+          <a:lnRef idx="1">
+            <a:schemeClr val="dk1"/>
+          </a:lnRef>
+          <a:fillRef idx="0">
+            <a:schemeClr val="dk1"/>
+          </a:fillRef>
+          <a:effectRef idx="0">
+            <a:schemeClr val="dk1"/>
+          </a:effectRef>
+          <a:fontRef idx="minor">
+            <a:schemeClr val="tx1"/>
+          </a:fontRef>
+        </p:style>
+        <p:txBody>
+          <a:bodyPr rtlCol="0" anchor="ctr"/>
+          <a:lstStyle/>
+          <a:p>
+            <a:pPr algn="ctr"/>
+            <a:endParaRPr lang="en-GB" sz="2400"/>
+          </a:p>
+        </p:txBody>
+      </p:sp>
+      <p:sp>
+        <p:nvSpPr>
+          <p:cNvPr id="71" name="TextBox 70">
+            <a:extLst>
+              <a:ext uri="{FF2B5EF4-FFF2-40B4-BE49-F238E27FC236}">
+                <a16:creationId xmlns:a16="http://schemas.microsoft.com/office/drawing/2014/main" id="{BDC8970B-8604-412B-B1B9-A928DE34C804}"/>
+              </a:ext>
+            </a:extLst>
+          </p:cNvPr>
+          <p:cNvSpPr txBox="1"/>
+          <p:nvPr/>
+        </p:nvSpPr>
+        <p:spPr>
+          <a:xfrm>
+            <a:off x="19562630" y="6788724"/>
+            <a:ext cx="2822534" cy="523220"/>
+          </a:xfrm>
+          <a:prstGeom prst="rect">
+            <a:avLst/>
+          </a:prstGeom>
+          <a:noFill/>
+        </p:spPr>
+        <p:txBody>
+          <a:bodyPr wrap="square" rtlCol="0">
+            <a:spAutoFit/>
+          </a:bodyPr>
+          <a:lstStyle/>
+          <a:p>
+            <a:r>
+              <a:rPr lang="en-US" sz="2800" dirty="0">
+                <a:latin typeface="Consolas" panose="020B0609020204030204" pitchFamily="49" charset="0"/>
+              </a:rPr>
+              <a:t>Little girl</a:t>
+            </a:r>
+            <a:endParaRPr lang="en-GB" sz="2800" dirty="0">
+              <a:latin typeface="Consolas" panose="020B0609020204030204" pitchFamily="49" charset="0"/>
+            </a:endParaRPr>
+          </a:p>
+        </p:txBody>
+      </p:sp>
+      <p:sp>
+        <p:nvSpPr>
+          <p:cNvPr id="72" name="TextBox 71">
+            <a:extLst>
+              <a:ext uri="{FF2B5EF4-FFF2-40B4-BE49-F238E27FC236}">
+                <a16:creationId xmlns:a16="http://schemas.microsoft.com/office/drawing/2014/main" id="{EC063696-366B-46F2-AD57-80DEB297D32A}"/>
+              </a:ext>
+            </a:extLst>
+          </p:cNvPr>
+          <p:cNvSpPr txBox="1"/>
+          <p:nvPr/>
+        </p:nvSpPr>
+        <p:spPr>
+          <a:xfrm>
+            <a:off x="19562630" y="2528046"/>
+            <a:ext cx="2822534" cy="523220"/>
+          </a:xfrm>
+          <a:prstGeom prst="rect">
+            <a:avLst/>
+          </a:prstGeom>
+          <a:noFill/>
+        </p:spPr>
+        <p:txBody>
+          <a:bodyPr wrap="square" rtlCol="0">
+            <a:spAutoFit/>
+          </a:bodyPr>
+          <a:lstStyle/>
+          <a:p>
+            <a:r>
+              <a:rPr lang="en-US" sz="2800" dirty="0">
+                <a:latin typeface="Consolas" panose="020B0609020204030204" pitchFamily="49" charset="0"/>
+              </a:rPr>
+              <a:t>Trees</a:t>
+            </a:r>
+            <a:endParaRPr lang="en-GB" sz="2800" dirty="0">
+              <a:latin typeface="Consolas" panose="020B0609020204030204" pitchFamily="49" charset="0"/>
+            </a:endParaRPr>
+          </a:p>
+        </p:txBody>
+      </p:sp>
+      <p:sp>
+        <p:nvSpPr>
+          <p:cNvPr id="73" name="Left Brace 72">
+            <a:extLst>
+              <a:ext uri="{FF2B5EF4-FFF2-40B4-BE49-F238E27FC236}">
+                <a16:creationId xmlns:a16="http://schemas.microsoft.com/office/drawing/2014/main" id="{7E8E6462-F686-450C-83C5-2D9C843F4820}"/>
+              </a:ext>
+            </a:extLst>
+          </p:cNvPr>
+          <p:cNvSpPr/>
+          <p:nvPr/>
+        </p:nvSpPr>
+        <p:spPr>
+          <a:xfrm rot="16200000">
+            <a:off x="15333480" y="8014121"/>
+            <a:ext cx="467549" cy="2085461"/>
+          </a:xfrm>
+          <a:prstGeom prst="leftBrace">
+            <a:avLst/>
+          </a:prstGeom>
+        </p:spPr>
+        <p:style>
+          <a:lnRef idx="1">
+            <a:schemeClr val="dk1"/>
+          </a:lnRef>
+          <a:fillRef idx="0">
+            <a:schemeClr val="dk1"/>
+          </a:fillRef>
+          <a:effectRef idx="0">
+            <a:schemeClr val="dk1"/>
+          </a:effectRef>
+          <a:fontRef idx="minor">
+            <a:schemeClr val="tx1"/>
+          </a:fontRef>
+        </p:style>
+        <p:txBody>
+          <a:bodyPr rtlCol="0" anchor="ctr"/>
+          <a:lstStyle/>
+          <a:p>
+            <a:pPr algn="ctr"/>
+            <a:endParaRPr lang="en-GB" sz="2400"/>
+          </a:p>
+        </p:txBody>
+      </p:sp>
+      <p:sp>
+        <p:nvSpPr>
+          <p:cNvPr id="74" name="TextBox 73">
+            <a:extLst>
+              <a:ext uri="{FF2B5EF4-FFF2-40B4-BE49-F238E27FC236}">
+                <a16:creationId xmlns:a16="http://schemas.microsoft.com/office/drawing/2014/main" id="{8D82597F-C8DE-4D91-AA0E-7D104225325C}"/>
+              </a:ext>
+            </a:extLst>
+          </p:cNvPr>
+          <p:cNvSpPr txBox="1"/>
+          <p:nvPr/>
+        </p:nvSpPr>
+        <p:spPr>
+          <a:xfrm>
+            <a:off x="15041386" y="9437719"/>
+            <a:ext cx="2822534" cy="523220"/>
+          </a:xfrm>
+          <a:prstGeom prst="rect">
+            <a:avLst/>
+          </a:prstGeom>
+          <a:noFill/>
+        </p:spPr>
+        <p:txBody>
+          <a:bodyPr wrap="square" rtlCol="0">
+            <a:spAutoFit/>
+          </a:bodyPr>
+          <a:lstStyle/>
+          <a:p>
+            <a:r>
+              <a:rPr lang="en-US" sz="2800" dirty="0">
+                <a:latin typeface="Consolas" panose="020B0609020204030204" pitchFamily="49" charset="0"/>
+              </a:rPr>
+              <a:t>Ground</a:t>
+            </a:r>
+            <a:endParaRPr lang="en-GB" sz="2800" dirty="0">
+              <a:latin typeface="Consolas" panose="020B0609020204030204" pitchFamily="49" charset="0"/>
+            </a:endParaRPr>
+          </a:p>
+        </p:txBody>
+      </p:sp>
+      <p:cxnSp>
+        <p:nvCxnSpPr>
+          <p:cNvPr id="4" name="Straight Arrow Connector 3">
+            <a:extLst>
+              <a:ext uri="{FF2B5EF4-FFF2-40B4-BE49-F238E27FC236}">
+                <a16:creationId xmlns:a16="http://schemas.microsoft.com/office/drawing/2014/main" id="{870840B1-3D57-490C-9C00-6A0EBB64A366}"/>
+              </a:ext>
+            </a:extLst>
+          </p:cNvPr>
+          <p:cNvCxnSpPr>
+            <a:cxnSpLocks/>
+          </p:cNvCxnSpPr>
+          <p:nvPr/>
+        </p:nvCxnSpPr>
+        <p:spPr>
+          <a:xfrm flipV="1">
+            <a:off x="5816683" y="5472979"/>
+            <a:ext cx="828602" cy="7"/>
+          </a:xfrm>
+          <a:prstGeom prst="straightConnector1">
+            <a:avLst/>
+          </a:prstGeom>
+          <a:ln>
+            <a:solidFill>
+              <a:schemeClr val="tx1"/>
+            </a:solidFill>
+            <a:tailEnd type="triangle"/>
+          </a:ln>
+        </p:spPr>
+        <p:style>
+          <a:lnRef idx="1">
+            <a:schemeClr val="accent1"/>
+          </a:lnRef>
+          <a:fillRef idx="0">
+            <a:schemeClr val="accent1"/>
+          </a:fillRef>
+          <a:effectRef idx="0">
+            <a:schemeClr val="accent1"/>
+          </a:effectRef>
+          <a:fontRef idx="minor">
+            <a:schemeClr val="tx1"/>
+          </a:fontRef>
+        </p:style>
+      </p:cxnSp>
+      <p:cxnSp>
+        <p:nvCxnSpPr>
+          <p:cNvPr id="75" name="Straight Arrow Connector 74">
+            <a:extLst>
+              <a:ext uri="{FF2B5EF4-FFF2-40B4-BE49-F238E27FC236}">
+                <a16:creationId xmlns:a16="http://schemas.microsoft.com/office/drawing/2014/main" id="{41E6FB50-DAA3-420F-9BF2-F3FF09E41E9F}"/>
+              </a:ext>
+            </a:extLst>
+          </p:cNvPr>
+          <p:cNvCxnSpPr>
+            <a:cxnSpLocks/>
+          </p:cNvCxnSpPr>
+          <p:nvPr/>
+        </p:nvCxnSpPr>
+        <p:spPr>
+          <a:xfrm flipV="1">
+            <a:off x="8789526" y="5472980"/>
+            <a:ext cx="2148961" cy="1"/>
+          </a:xfrm>
+          <a:prstGeom prst="straightConnector1">
+            <a:avLst/>
+          </a:prstGeom>
+          <a:ln>
+            <a:solidFill>
+              <a:schemeClr val="tx1"/>
+            </a:solidFill>
+            <a:tailEnd type="triangle"/>
+          </a:ln>
+        </p:spPr>
+        <p:style>
+          <a:lnRef idx="1">
+            <a:schemeClr val="accent1"/>
+          </a:lnRef>
+          <a:fillRef idx="0">
+            <a:schemeClr val="accent1"/>
+          </a:fillRef>
+          <a:effectRef idx="0">
+            <a:schemeClr val="accent1"/>
+          </a:effectRef>
+          <a:fontRef idx="minor">
+            <a:schemeClr val="tx1"/>
+          </a:fontRef>
+        </p:style>
+      </p:cxnSp>
+      <p:sp>
+        <p:nvSpPr>
+          <p:cNvPr id="76" name="TextBox 75">
+            <a:extLst>
+              <a:ext uri="{FF2B5EF4-FFF2-40B4-BE49-F238E27FC236}">
+                <a16:creationId xmlns:a16="http://schemas.microsoft.com/office/drawing/2014/main" id="{03269B23-8469-429E-AE70-E0E6916EF5DA}"/>
+              </a:ext>
+            </a:extLst>
+          </p:cNvPr>
+          <p:cNvSpPr txBox="1"/>
+          <p:nvPr/>
+        </p:nvSpPr>
+        <p:spPr>
+          <a:xfrm>
+            <a:off x="603955" y="7427127"/>
+            <a:ext cx="6002462" cy="584775"/>
+          </a:xfrm>
+          <a:prstGeom prst="rect">
+            <a:avLst/>
+          </a:prstGeom>
+          <a:noFill/>
+        </p:spPr>
+        <p:txBody>
+          <a:bodyPr wrap="square" rtlCol="0">
+            <a:spAutoFit/>
+          </a:bodyPr>
+          <a:lstStyle/>
+          <a:p>
+            <a:pPr algn="ctr"/>
+            <a:r>
+              <a:rPr lang="en-US" sz="3200" dirty="0"/>
+              <a:t>Input image to a CNN network</a:t>
+            </a:r>
+            <a:endParaRPr lang="en-GB" sz="3200" dirty="0"/>
+          </a:p>
+        </p:txBody>
+      </p:sp>
+      <p:sp>
+        <p:nvSpPr>
+          <p:cNvPr id="13" name="TextBox 12">
+            <a:extLst>
+              <a:ext uri="{FF2B5EF4-FFF2-40B4-BE49-F238E27FC236}">
+                <a16:creationId xmlns:a16="http://schemas.microsoft.com/office/drawing/2014/main" id="{054C448B-CA02-4688-877C-51CF23E4106A}"/>
+              </a:ext>
+            </a:extLst>
+          </p:cNvPr>
+          <p:cNvSpPr txBox="1"/>
+          <p:nvPr/>
+        </p:nvSpPr>
+        <p:spPr>
+          <a:xfrm rot="5400000">
+            <a:off x="5576108" y="5587788"/>
+            <a:ext cx="4140342" cy="584775"/>
+          </a:xfrm>
+          <a:prstGeom prst="rect">
+            <a:avLst/>
+          </a:prstGeom>
+          <a:noFill/>
+        </p:spPr>
+        <p:txBody>
+          <a:bodyPr wrap="square" rtlCol="0">
+            <a:spAutoFit/>
+          </a:bodyPr>
+          <a:lstStyle/>
+          <a:p>
+            <a:r>
+              <a:rPr lang="en-US" sz="3200" dirty="0"/>
+              <a:t>CNN Network Stack</a:t>
+            </a:r>
+            <a:endParaRPr lang="en-GB" sz="3200" dirty="0"/>
+          </a:p>
+        </p:txBody>
+      </p:sp>
+    </p:spTree>
+    <p:extLst>
+      <p:ext uri="{BB962C8B-B14F-4D97-AF65-F5344CB8AC3E}">
+        <p14:creationId xmlns:p14="http://schemas.microsoft.com/office/powerpoint/2010/main" val="3825315818"/>
       </p:ext>
     </p:extLst>
   </p:cSld>
